--- a/Projeto2AED.pptx
+++ b/Projeto2AED.pptx
@@ -8989,12 +8989,12 @@
               </a:lnSpc>
             </a:pPr>
             <a:r>
-              <a:rPr lang="pt-PT" b="1">
+              <a:rPr lang="pt-PT" b="1" dirty="0">
                 <a:solidFill>
                   <a:schemeClr val="bg1"/>
                 </a:solidFill>
               </a:rPr>
-              <a:t>André Sousa – up20200xxxx</a:t>
+              <a:t>André Sousa – up202005277</a:t>
             </a:r>
           </a:p>
           <a:p>
@@ -9004,7 +9004,7 @@
               </a:lnSpc>
             </a:pPr>
             <a:r>
-              <a:rPr lang="pt-PT" b="1">
+              <a:rPr lang="pt-PT" b="1" dirty="0">
                 <a:solidFill>
                   <a:schemeClr val="bg1"/>
                 </a:solidFill>
@@ -9019,12 +9019,12 @@
               </a:lnSpc>
             </a:pPr>
             <a:r>
-              <a:rPr lang="pt-PT" b="1">
+              <a:rPr lang="pt-PT" b="1" dirty="0">
                 <a:solidFill>
                   <a:schemeClr val="bg1"/>
                 </a:solidFill>
               </a:rPr>
-              <a:t>Pedro Fonseca – up20200xxxx</a:t>
+              <a:t>Pedro Fonseca – up202008307</a:t>
             </a:r>
           </a:p>
         </p:txBody>
@@ -10657,13 +10657,13 @@
         </p:nvSpPr>
         <p:spPr>
           <a:xfrm>
-            <a:off x="4907279" y="1508760"/>
-            <a:ext cx="5989317" cy="3840480"/>
+            <a:off x="4907279" y="1508759"/>
+            <a:ext cx="5989317" cy="4158709"/>
           </a:xfrm>
         </p:spPr>
         <p:txBody>
           <a:bodyPr anchor="ctr">
-            <a:normAutofit/>
+            <a:normAutofit lnSpcReduction="10000"/>
           </a:bodyPr>
           <a:lstStyle/>
           <a:p>
@@ -10681,7 +10681,7 @@
                   <a:schemeClr val="tx1"/>
                 </a:solidFill>
               </a:rPr>
-              <a:t>readStop</a:t>
+              <a:t>readStops</a:t>
             </a:r>
             <a:r>
               <a:rPr lang="pt-PT" sz="2000" i="1" dirty="0">
@@ -10697,7 +10697,7 @@
                   <a:schemeClr val="tx1"/>
                 </a:solidFill>
               </a:rPr>
-              <a:t> lê os “stops” do ficheiro stops.csv e guarda-os num vetor denominado “Stop”;</a:t>
+              <a:t> lê a informação das paragens de autocarro contidas no ficheiro stops.csv e guarda-os num vetor denominado “stops”;</a:t>
             </a:r>
           </a:p>
           <a:p>
@@ -10731,7 +10731,7 @@
                   <a:schemeClr val="tx1"/>
                 </a:solidFill>
               </a:rPr>
-              <a:t> lê as linhas do ficheiro lines.csv e depois corre o </a:t>
+              <a:t> lê as linhas do ficheiro lines.csv e depois corre o método </a:t>
             </a:r>
             <a:r>
               <a:rPr lang="pt-PT" sz="2000" i="1" dirty="0" err="1">
@@ -10822,6 +10822,16 @@
                 </a:solidFill>
               </a:rPr>
               <a:t>.</a:t>
+            </a:r>
+          </a:p>
+          <a:p>
+            <a:r>
+              <a:rPr lang="pt-PT" sz="2000" dirty="0">
+                <a:solidFill>
+                  <a:schemeClr val="tx1"/>
+                </a:solidFill>
+              </a:rPr>
+              <a:t>Por fim, são criadas arestas novas entre paragens cuja distância é igual ou inferior à distância que o utilizador está disposto a andar a pé</a:t>
             </a:r>
           </a:p>
         </p:txBody>
@@ -11392,7 +11402,15 @@
             </a:pPr>
             <a:r>
               <a:rPr lang="pt-PT" sz="900" dirty="0"/>
-              <a:t>É usado um grafo criado pelo professor Pedro Ribeiro.</a:t>
+              <a:t>É usada a classe </a:t>
+            </a:r>
+            <a:r>
+              <a:rPr lang="pt-PT" sz="900" dirty="0" err="1"/>
+              <a:t>Graph</a:t>
+            </a:r>
+            <a:r>
+              <a:rPr lang="pt-PT" sz="900" dirty="0"/>
+              <a:t> fornecida</a:t>
             </a:r>
           </a:p>
           <a:p>
@@ -11403,7 +11421,7 @@
             </a:pPr>
             <a:r>
               <a:rPr lang="pt-PT" sz="900" b="1" dirty="0"/>
-              <a:t>Variáveis:</a:t>
+              <a:t>Atributos:</a:t>
             </a:r>
           </a:p>
           <a:p>
@@ -12550,7 +12568,7 @@
               <a:buNone/>
             </a:pPr>
             <a:r>
-              <a:rPr lang="pt-PT" b="1">
+              <a:rPr lang="pt-PT" b="1" dirty="0">
                 <a:solidFill>
                   <a:srgbClr val="FFFFFF"/>
                 </a:solidFill>
@@ -12561,7 +12579,7 @@
           <a:p>
             <a:pPr lvl="1"/>
             <a:r>
-              <a:rPr lang="pt-PT">
+              <a:rPr lang="pt-PT" dirty="0">
                 <a:solidFill>
                   <a:srgbClr val="FFFFFF"/>
                 </a:solidFill>
@@ -12572,7 +12590,7 @@
           <a:p>
             <a:pPr lvl="2"/>
             <a:r>
-              <a:rPr lang="pt-PT">
+              <a:rPr lang="pt-PT" dirty="0">
                 <a:solidFill>
                   <a:srgbClr val="FFFFFF"/>
                 </a:solidFill>
@@ -12583,13 +12601,21 @@
           <a:p>
             <a:pPr lvl="2"/>
             <a:r>
-              <a:rPr lang="pt-PT">
+              <a:rPr lang="pt-PT" dirty="0">
                 <a:solidFill>
                   <a:srgbClr val="FFFFFF"/>
                 </a:solidFill>
               </a:rPr>
-              <a:t>Andar a pé entre todas as paragens, desde que, esteja dentro da distância máxima permitida a pé.</a:t>
-            </a:r>
+              <a:t>Andar a pé entre qualquer paragem, desde que, esteja dentro da distância máxima permitida a pé.</a:t>
+            </a:r>
+          </a:p>
+          <a:p>
+            <a:pPr lvl="2"/>
+            <a:endParaRPr lang="pt-PT" dirty="0">
+              <a:solidFill>
+                <a:srgbClr val="FFFFFF"/>
+              </a:solidFill>
+            </a:endParaRPr>
           </a:p>
         </p:txBody>
       </p:sp>
@@ -12670,7 +12696,7 @@
         <p:spPr/>
         <p:txBody>
           <a:bodyPr>
-            <a:normAutofit/>
+            <a:normAutofit fontScale="92500" lnSpcReduction="10000"/>
           </a:bodyPr>
           <a:lstStyle/>
           <a:p>
@@ -12858,11 +12884,11 @@
             </a:r>
             <a:r>
               <a:rPr lang="en-GB" dirty="0" err="1"/>
-              <a:t>coordenadas</a:t>
+              <a:t>coordenadas-paragem</a:t>
             </a:r>
             <a:r>
               <a:rPr lang="en-GB" dirty="0"/>
-              <a:t>-local, </a:t>
+              <a:t>, </a:t>
             </a:r>
             <a:r>
               <a:rPr lang="en-GB" dirty="0" err="1"/>
@@ -12870,7 +12896,57 @@
             </a:r>
             <a:r>
               <a:rPr lang="en-GB" dirty="0"/>
-              <a:t>, local-</a:t>
+              <a:t>, </a:t>
+            </a:r>
+            <a:r>
+              <a:rPr lang="en-GB" dirty="0" err="1"/>
+              <a:t>paragem-coordenadas</a:t>
+            </a:r>
+            <a:r>
+              <a:rPr lang="en-GB" dirty="0"/>
+              <a:t> </a:t>
+            </a:r>
+            <a:r>
+              <a:rPr lang="en-GB" dirty="0" err="1"/>
+              <a:t>ou</a:t>
+            </a:r>
+            <a:r>
+              <a:rPr lang="en-GB" dirty="0"/>
+              <a:t> </a:t>
+            </a:r>
+            <a:r>
+              <a:rPr lang="en-GB" dirty="0" err="1"/>
+              <a:t>paragem-paragem</a:t>
+            </a:r>
+            <a:r>
+              <a:rPr lang="en-GB" dirty="0"/>
+              <a:t>. </a:t>
+            </a:r>
+          </a:p>
+          <a:p>
+            <a:r>
+              <a:rPr lang="en-GB" dirty="0" err="1"/>
+              <a:t>Quando</a:t>
+            </a:r>
+            <a:r>
+              <a:rPr lang="en-GB" dirty="0"/>
+              <a:t> </a:t>
+            </a:r>
+            <a:r>
+              <a:rPr lang="en-GB" dirty="0" err="1"/>
+              <a:t>são</a:t>
+            </a:r>
+            <a:r>
+              <a:rPr lang="en-GB" dirty="0"/>
+              <a:t> </a:t>
+            </a:r>
+            <a:r>
+              <a:rPr lang="en-GB" dirty="0" err="1"/>
+              <a:t>utilizadas</a:t>
+            </a:r>
+            <a:r>
+              <a:rPr lang="en-GB" dirty="0"/>
+              <a:t> </a:t>
             </a:r>
             <a:r>
               <a:rPr lang="en-GB" dirty="0" err="1"/>
@@ -12878,15 +12954,175 @@
             </a:r>
             <a:r>
               <a:rPr lang="en-GB" dirty="0"/>
+              <a:t>, o </a:t>
+            </a:r>
+            <a:r>
+              <a:rPr lang="en-GB" dirty="0" err="1"/>
+              <a:t>programa</a:t>
+            </a:r>
+            <a:r>
+              <a:rPr lang="en-GB" dirty="0"/>
               <a:t> </a:t>
             </a:r>
             <a:r>
               <a:rPr lang="en-GB" dirty="0" err="1"/>
-              <a:t>ou</a:t>
+              <a:t>procura</a:t>
             </a:r>
             <a:r>
               <a:rPr lang="en-GB" dirty="0"/>
-              <a:t> local-local. </a:t>
+              <a:t> </a:t>
+            </a:r>
+            <a:r>
+              <a:rPr lang="en-GB" dirty="0" err="1"/>
+              <a:t>todas</a:t>
+            </a:r>
+            <a:r>
+              <a:rPr lang="en-GB" dirty="0"/>
+              <a:t> as </a:t>
+            </a:r>
+            <a:r>
+              <a:rPr lang="en-GB" dirty="0" err="1"/>
+              <a:t>paragens</a:t>
+            </a:r>
+            <a:r>
+              <a:rPr lang="en-GB" dirty="0"/>
+              <a:t> que </a:t>
+            </a:r>
+            <a:r>
+              <a:rPr lang="en-GB" dirty="0" err="1"/>
+              <a:t>são</a:t>
+            </a:r>
+            <a:r>
+              <a:rPr lang="en-GB" dirty="0"/>
+              <a:t> </a:t>
+            </a:r>
+            <a:r>
+              <a:rPr lang="en-GB" dirty="0" err="1"/>
+              <a:t>alcançáveis</a:t>
+            </a:r>
+            <a:r>
+              <a:rPr lang="en-GB" dirty="0"/>
+              <a:t> a </a:t>
+            </a:r>
+            <a:r>
+              <a:rPr lang="en-GB" dirty="0" err="1"/>
+              <a:t>pé</a:t>
+            </a:r>
+            <a:r>
+              <a:rPr lang="en-GB" dirty="0"/>
+              <a:t> e </a:t>
+            </a:r>
+            <a:r>
+              <a:rPr lang="en-GB" dirty="0" err="1"/>
+              <a:t>procura</a:t>
+            </a:r>
+            <a:r>
+              <a:rPr lang="en-GB" dirty="0"/>
+              <a:t> a </a:t>
+            </a:r>
+            <a:r>
+              <a:rPr lang="en-GB" dirty="0" err="1"/>
+              <a:t>melhor</a:t>
+            </a:r>
+            <a:r>
+              <a:rPr lang="en-GB" dirty="0"/>
+              <a:t> </a:t>
+            </a:r>
+            <a:r>
+              <a:rPr lang="en-GB" dirty="0" err="1"/>
+              <a:t>opção</a:t>
+            </a:r>
+            <a:r>
+              <a:rPr lang="en-GB" dirty="0"/>
+              <a:t>. </a:t>
+            </a:r>
+            <a:r>
+              <a:rPr lang="en-GB" dirty="0" err="1"/>
+              <a:t>Quando</a:t>
+            </a:r>
+            <a:r>
+              <a:rPr lang="en-GB" dirty="0"/>
+              <a:t> </a:t>
+            </a:r>
+            <a:r>
+              <a:rPr lang="en-GB" dirty="0" err="1"/>
+              <a:t>não</a:t>
+            </a:r>
+            <a:r>
+              <a:rPr lang="en-GB" dirty="0"/>
+              <a:t> </a:t>
+            </a:r>
+            <a:r>
+              <a:rPr lang="en-GB" dirty="0" err="1"/>
+              <a:t>existirem</a:t>
+            </a:r>
+            <a:r>
+              <a:rPr lang="en-GB" dirty="0"/>
+              <a:t> </a:t>
+            </a:r>
+            <a:r>
+              <a:rPr lang="en-GB" dirty="0" err="1"/>
+              <a:t>paragens</a:t>
+            </a:r>
+            <a:r>
+              <a:rPr lang="en-GB" dirty="0"/>
+              <a:t> </a:t>
+            </a:r>
+            <a:r>
+              <a:rPr lang="en-GB" dirty="0" err="1"/>
+              <a:t>nesse</a:t>
+            </a:r>
+            <a:r>
+              <a:rPr lang="en-GB" dirty="0"/>
+              <a:t> </a:t>
+            </a:r>
+            <a:r>
+              <a:rPr lang="en-GB" dirty="0" err="1"/>
+              <a:t>raio</a:t>
+            </a:r>
+            <a:r>
+              <a:rPr lang="en-GB" dirty="0"/>
+              <a:t>, </a:t>
+            </a:r>
+            <a:r>
+              <a:rPr lang="en-GB" dirty="0" err="1"/>
+              <a:t>então</a:t>
+            </a:r>
+            <a:r>
+              <a:rPr lang="en-GB" dirty="0"/>
+              <a:t> é </a:t>
+            </a:r>
+            <a:r>
+              <a:rPr lang="en-GB" dirty="0" err="1"/>
+              <a:t>usada</a:t>
+            </a:r>
+            <a:r>
+              <a:rPr lang="en-GB" dirty="0"/>
+              <a:t> a </a:t>
+            </a:r>
+            <a:r>
+              <a:rPr lang="en-GB" dirty="0" err="1"/>
+              <a:t>paragem</a:t>
+            </a:r>
+            <a:r>
+              <a:rPr lang="en-GB" dirty="0"/>
+              <a:t> </a:t>
+            </a:r>
+            <a:r>
+              <a:rPr lang="en-GB" dirty="0" err="1"/>
+              <a:t>mais</a:t>
+            </a:r>
+            <a:r>
+              <a:rPr lang="en-GB" dirty="0"/>
+              <a:t> </a:t>
+            </a:r>
+            <a:r>
+              <a:rPr lang="en-GB" dirty="0" err="1"/>
+              <a:t>próxima</a:t>
+            </a:r>
+            <a:r>
+              <a:rPr lang="en-GB" dirty="0"/>
+              <a:t>.</a:t>
             </a:r>
           </a:p>
           <a:p>

--- a/Projeto2AED.pptx
+++ b/Projeto2AED.pptx
@@ -13,9 +13,8 @@
     <p:sldId id="261" r:id="rId7"/>
     <p:sldId id="265" r:id="rId8"/>
     <p:sldId id="263" r:id="rId9"/>
-    <p:sldId id="267" r:id="rId10"/>
-    <p:sldId id="266" r:id="rId11"/>
-    <p:sldId id="262" r:id="rId12"/>
+    <p:sldId id="266" r:id="rId10"/>
+    <p:sldId id="262" r:id="rId11"/>
   </p:sldIdLst>
   <p:sldSz cx="12192000" cy="6858000"/>
   <p:notesSz cx="6858000" cy="9144000"/>
@@ -3194,7 +3193,7 @@
           <a:p>
             <a:fld id="{4A0C7E82-D0C3-2C47-BB06-5E425D75F4B0}" type="datetimeFigureOut">
               <a:rPr lang="pt-PT" smtClean="0"/>
-              <a:t>28/01/2022</a:t>
+              <a:t>29/01/2022</a:t>
             </a:fld>
             <a:endParaRPr lang="pt-PT"/>
           </a:p>
@@ -3518,7 +3517,7 @@
           <a:p>
             <a:fld id="{4A0C7E82-D0C3-2C47-BB06-5E425D75F4B0}" type="datetimeFigureOut">
               <a:rPr lang="pt-PT" smtClean="0"/>
-              <a:t>28/01/2022</a:t>
+              <a:t>29/01/2022</a:t>
             </a:fld>
             <a:endParaRPr lang="pt-PT"/>
           </a:p>
@@ -3766,7 +3765,7 @@
           <a:p>
             <a:fld id="{4A0C7E82-D0C3-2C47-BB06-5E425D75F4B0}" type="datetimeFigureOut">
               <a:rPr lang="pt-PT" smtClean="0"/>
-              <a:t>28/01/2022</a:t>
+              <a:t>29/01/2022</a:t>
             </a:fld>
             <a:endParaRPr lang="pt-PT"/>
           </a:p>
@@ -4105,7 +4104,7 @@
           <a:p>
             <a:fld id="{4A0C7E82-D0C3-2C47-BB06-5E425D75F4B0}" type="datetimeFigureOut">
               <a:rPr lang="pt-PT" smtClean="0"/>
-              <a:t>28/01/2022</a:t>
+              <a:t>29/01/2022</a:t>
             </a:fld>
             <a:endParaRPr lang="pt-PT"/>
           </a:p>
@@ -4452,7 +4451,7 @@
           <a:p>
             <a:fld id="{4A0C7E82-D0C3-2C47-BB06-5E425D75F4B0}" type="datetimeFigureOut">
               <a:rPr lang="pt-PT" smtClean="0"/>
-              <a:t>28/01/2022</a:t>
+              <a:t>29/01/2022</a:t>
             </a:fld>
             <a:endParaRPr lang="pt-PT"/>
           </a:p>
@@ -4826,7 +4825,7 @@
           <a:p>
             <a:fld id="{4A0C7E82-D0C3-2C47-BB06-5E425D75F4B0}" type="datetimeFigureOut">
               <a:rPr lang="pt-PT" smtClean="0"/>
-              <a:t>28/01/2022</a:t>
+              <a:t>29/01/2022</a:t>
             </a:fld>
             <a:endParaRPr lang="pt-PT"/>
           </a:p>
@@ -5296,7 +5295,7 @@
           <a:p>
             <a:fld id="{4A0C7E82-D0C3-2C47-BB06-5E425D75F4B0}" type="datetimeFigureOut">
               <a:rPr lang="pt-PT" smtClean="0"/>
-              <a:t>28/01/2022</a:t>
+              <a:t>29/01/2022</a:t>
             </a:fld>
             <a:endParaRPr lang="pt-PT"/>
           </a:p>
@@ -5501,7 +5500,7 @@
           <a:p>
             <a:fld id="{4A0C7E82-D0C3-2C47-BB06-5E425D75F4B0}" type="datetimeFigureOut">
               <a:rPr lang="pt-PT" smtClean="0"/>
-              <a:t>28/01/2022</a:t>
+              <a:t>29/01/2022</a:t>
             </a:fld>
             <a:endParaRPr lang="pt-PT"/>
           </a:p>
@@ -5712,7 +5711,7 @@
           <a:p>
             <a:fld id="{4A0C7E82-D0C3-2C47-BB06-5E425D75F4B0}" type="datetimeFigureOut">
               <a:rPr lang="pt-PT" smtClean="0"/>
-              <a:t>28/01/2022</a:t>
+              <a:t>29/01/2022</a:t>
             </a:fld>
             <a:endParaRPr lang="pt-PT"/>
           </a:p>
@@ -5944,7 +5943,7 @@
           <a:p>
             <a:fld id="{4A0C7E82-D0C3-2C47-BB06-5E425D75F4B0}" type="datetimeFigureOut">
               <a:rPr lang="pt-PT" smtClean="0"/>
-              <a:t>28/01/2022</a:t>
+              <a:t>29/01/2022</a:t>
             </a:fld>
             <a:endParaRPr lang="pt-PT"/>
           </a:p>
@@ -6192,7 +6191,7 @@
           <a:p>
             <a:fld id="{4A0C7E82-D0C3-2C47-BB06-5E425D75F4B0}" type="datetimeFigureOut">
               <a:rPr lang="pt-PT" smtClean="0"/>
-              <a:t>28/01/2022</a:t>
+              <a:t>29/01/2022</a:t>
             </a:fld>
             <a:endParaRPr lang="pt-PT"/>
           </a:p>
@@ -6459,7 +6458,7 @@
           <a:p>
             <a:fld id="{4A0C7E82-D0C3-2C47-BB06-5E425D75F4B0}" type="datetimeFigureOut">
               <a:rPr lang="pt-PT" smtClean="0"/>
-              <a:t>28/01/2022</a:t>
+              <a:t>29/01/2022</a:t>
             </a:fld>
             <a:endParaRPr lang="pt-PT"/>
           </a:p>
@@ -6872,7 +6871,7 @@
           <a:p>
             <a:fld id="{4A0C7E82-D0C3-2C47-BB06-5E425D75F4B0}" type="datetimeFigureOut">
               <a:rPr lang="pt-PT" smtClean="0"/>
-              <a:t>28/01/2022</a:t>
+              <a:t>29/01/2022</a:t>
             </a:fld>
             <a:endParaRPr lang="pt-PT"/>
           </a:p>
@@ -7021,7 +7020,7 @@
           <a:p>
             <a:fld id="{4A0C7E82-D0C3-2C47-BB06-5E425D75F4B0}" type="datetimeFigureOut">
               <a:rPr lang="pt-PT" smtClean="0"/>
-              <a:t>28/01/2022</a:t>
+              <a:t>29/01/2022</a:t>
             </a:fld>
             <a:endParaRPr lang="pt-PT"/>
           </a:p>
@@ -7147,7 +7146,7 @@
           <a:p>
             <a:fld id="{4A0C7E82-D0C3-2C47-BB06-5E425D75F4B0}" type="datetimeFigureOut">
               <a:rPr lang="pt-PT" smtClean="0"/>
-              <a:t>28/01/2022</a:t>
+              <a:t>29/01/2022</a:t>
             </a:fld>
             <a:endParaRPr lang="pt-PT"/>
           </a:p>
@@ -7402,7 +7401,7 @@
           <a:p>
             <a:fld id="{4A0C7E82-D0C3-2C47-BB06-5E425D75F4B0}" type="datetimeFigureOut">
               <a:rPr lang="pt-PT" smtClean="0"/>
-              <a:t>28/01/2022</a:t>
+              <a:t>29/01/2022</a:t>
             </a:fld>
             <a:endParaRPr lang="pt-PT"/>
           </a:p>
@@ -7717,7 +7716,7 @@
           <a:p>
             <a:fld id="{4A0C7E82-D0C3-2C47-BB06-5E425D75F4B0}" type="datetimeFigureOut">
               <a:rPr lang="pt-PT" smtClean="0"/>
-              <a:t>28/01/2022</a:t>
+              <a:t>29/01/2022</a:t>
             </a:fld>
             <a:endParaRPr lang="pt-PT"/>
           </a:p>
@@ -8068,7 +8067,7 @@
           <a:p>
             <a:fld id="{4A0C7E82-D0C3-2C47-BB06-5E425D75F4B0}" type="datetimeFigureOut">
               <a:rPr lang="pt-PT" smtClean="0"/>
-              <a:t>28/01/2022</a:t>
+              <a:t>29/01/2022</a:t>
             </a:fld>
             <a:endParaRPr lang="pt-PT"/>
           </a:p>
@@ -9532,303 +9531,6 @@
   <p:cSld>
     <p:bg>
       <p:bgPr>
-        <a:blipFill>
-          <a:blip r:embed="rId2"/>
-          <a:stretch/>
-        </a:blipFill>
-        <a:effectLst/>
-      </p:bgPr>
-    </p:bg>
-    <p:spTree>
-      <p:nvGrpSpPr>
-        <p:cNvPr id="1" name=""/>
-        <p:cNvGrpSpPr/>
-        <p:nvPr/>
-      </p:nvGrpSpPr>
-      <p:grpSpPr>
-        <a:xfrm>
-          <a:off x="0" y="0"/>
-          <a:ext cx="0" cy="0"/>
-          <a:chOff x="0" y="0"/>
-          <a:chExt cx="0" cy="0"/>
-        </a:xfrm>
-      </p:grpSpPr>
-      <p:sp useBgFill="1">
-        <p:nvSpPr>
-          <p:cNvPr id="17" name="Rectangle 16">
-            <a:extLst>
-              <a:ext uri="{FF2B5EF4-FFF2-40B4-BE49-F238E27FC236}">
-                <a16:creationId xmlns:a16="http://schemas.microsoft.com/office/drawing/2014/main" id="{001B0E35-F788-4608-ABBE-0D971AA5028F}"/>
-              </a:ext>
-              <a:ext uri="{C183D7F6-B498-43B3-948B-1728B52AA6E4}">
-                <adec:decorative xmlns:adec="http://schemas.microsoft.com/office/drawing/2017/decorative" val="1"/>
-              </a:ext>
-            </a:extLst>
-          </p:cNvPr>
-          <p:cNvSpPr>
-            <a:spLocks noGrp="1" noRot="1" noChangeAspect="1" noMove="1" noResize="1" noEditPoints="1" noAdjustHandles="1" noChangeArrowheads="1" noChangeShapeType="1" noTextEdit="1"/>
-          </p:cNvSpPr>
-          <p:nvPr>
-            <p:extLst>
-              <p:ext uri="{386F3935-93C4-4BCD-93E2-E3B085C9AB24}">
-                <p16:designElem xmlns:p16="http://schemas.microsoft.com/office/powerpoint/2015/main" val="1"/>
-              </p:ext>
-            </p:extLst>
-          </p:nvPr>
-        </p:nvSpPr>
-        <p:spPr>
-          <a:xfrm>
-            <a:off x="0" y="0"/>
-            <a:ext cx="12192000" cy="6858000"/>
-          </a:xfrm>
-          <a:prstGeom prst="rect">
-            <a:avLst/>
-          </a:prstGeom>
-          <a:ln>
-            <a:noFill/>
-          </a:ln>
-        </p:spPr>
-        <p:style>
-          <a:lnRef idx="2">
-            <a:schemeClr val="accent1">
-              <a:shade val="50000"/>
-            </a:schemeClr>
-          </a:lnRef>
-          <a:fillRef idx="1">
-            <a:schemeClr val="accent1"/>
-          </a:fillRef>
-          <a:effectRef idx="0">
-            <a:schemeClr val="accent1"/>
-          </a:effectRef>
-          <a:fontRef idx="minor">
-            <a:schemeClr val="lt1"/>
-          </a:fontRef>
-        </p:style>
-        <p:txBody>
-          <a:bodyPr rtlCol="0" anchor="ctr"/>
-          <a:lstStyle/>
-          <a:p>
-            <a:pPr algn="ctr"/>
-            <a:endParaRPr lang="en-US"/>
-          </a:p>
-        </p:txBody>
-      </p:sp>
-      <p:sp>
-        <p:nvSpPr>
-          <p:cNvPr id="19" name="Rectangle 18">
-            <a:extLst>
-              <a:ext uri="{FF2B5EF4-FFF2-40B4-BE49-F238E27FC236}">
-                <a16:creationId xmlns:a16="http://schemas.microsoft.com/office/drawing/2014/main" id="{4431B8EA-FCCA-47DD-A0C4-A653EC4AB846}"/>
-              </a:ext>
-              <a:ext uri="{C183D7F6-B498-43B3-948B-1728B52AA6E4}">
-                <adec:decorative xmlns:adec="http://schemas.microsoft.com/office/drawing/2017/decorative" val="1"/>
-              </a:ext>
-            </a:extLst>
-          </p:cNvPr>
-          <p:cNvSpPr>
-            <a:spLocks noGrp="1" noRot="1" noChangeAspect="1" noMove="1" noResize="1" noEditPoints="1" noAdjustHandles="1" noChangeArrowheads="1" noChangeShapeType="1" noTextEdit="1"/>
-          </p:cNvSpPr>
-          <p:nvPr>
-            <p:extLst>
-              <p:ext uri="{386F3935-93C4-4BCD-93E2-E3B085C9AB24}">
-                <p16:designElem xmlns:p16="http://schemas.microsoft.com/office/powerpoint/2015/main" val="1"/>
-              </p:ext>
-            </p:extLst>
-          </p:nvPr>
-        </p:nvSpPr>
-        <p:spPr>
-          <a:xfrm>
-            <a:off x="474662" y="469900"/>
-            <a:ext cx="11239500" cy="5918200"/>
-          </a:xfrm>
-          <a:prstGeom prst="rect">
-            <a:avLst/>
-          </a:prstGeom>
-          <a:solidFill>
-            <a:schemeClr val="bg1"/>
-          </a:solidFill>
-          <a:ln>
-            <a:noFill/>
-          </a:ln>
-          <a:effectLst>
-            <a:outerShdw blurRad="50800" dist="38100" dir="5400000" algn="t" rotWithShape="0">
-              <a:prstClr val="black">
-                <a:alpha val="40000"/>
-              </a:prstClr>
-            </a:outerShdw>
-          </a:effectLst>
-          <a:scene3d>
-            <a:camera prst="orthographicFront"/>
-            <a:lightRig rig="balanced" dir="t"/>
-          </a:scene3d>
-          <a:sp3d>
-            <a:bevelT w="6350" h="6350"/>
-          </a:sp3d>
-        </p:spPr>
-        <p:style>
-          <a:lnRef idx="2">
-            <a:schemeClr val="accent1">
-              <a:shade val="50000"/>
-            </a:schemeClr>
-          </a:lnRef>
-          <a:fillRef idx="1">
-            <a:schemeClr val="accent1"/>
-          </a:fillRef>
-          <a:effectRef idx="0">
-            <a:schemeClr val="accent1"/>
-          </a:effectRef>
-          <a:fontRef idx="minor">
-            <a:schemeClr val="lt1"/>
-          </a:fontRef>
-        </p:style>
-        <p:txBody>
-          <a:bodyPr rtlCol="0" anchor="ctr"/>
-          <a:lstStyle/>
-          <a:p>
-            <a:pPr algn="ctr"/>
-            <a:endParaRPr lang="en-US"/>
-          </a:p>
-        </p:txBody>
-      </p:sp>
-      <p:sp>
-        <p:nvSpPr>
-          <p:cNvPr id="21" name="Rectangle 20">
-            <a:extLst>
-              <a:ext uri="{FF2B5EF4-FFF2-40B4-BE49-F238E27FC236}">
-                <a16:creationId xmlns:a16="http://schemas.microsoft.com/office/drawing/2014/main" id="{1C781EDE-83AA-44D6-8054-A4E2D6F28086}"/>
-              </a:ext>
-              <a:ext uri="{C183D7F6-B498-43B3-948B-1728B52AA6E4}">
-                <adec:decorative xmlns:adec="http://schemas.microsoft.com/office/drawing/2017/decorative" val="1"/>
-              </a:ext>
-            </a:extLst>
-          </p:cNvPr>
-          <p:cNvSpPr>
-            <a:spLocks noGrp="1" noRot="1" noChangeAspect="1" noMove="1" noResize="1" noEditPoints="1" noAdjustHandles="1" noChangeArrowheads="1" noChangeShapeType="1" noTextEdit="1"/>
-          </p:cNvSpPr>
-          <p:nvPr>
-            <p:extLst>
-              <p:ext uri="{386F3935-93C4-4BCD-93E2-E3B085C9AB24}">
-                <p16:designElem xmlns:p16="http://schemas.microsoft.com/office/powerpoint/2015/main" val="1"/>
-              </p:ext>
-            </p:extLst>
-          </p:nvPr>
-        </p:nvSpPr>
-        <p:spPr>
-          <a:xfrm>
-            <a:off x="608012" y="609600"/>
-            <a:ext cx="10972800" cy="5638800"/>
-          </a:xfrm>
-          <a:prstGeom prst="rect">
-            <a:avLst/>
-          </a:prstGeom>
-          <a:noFill/>
-          <a:ln w="15875" cap="flat">
-            <a:solidFill>
-              <a:schemeClr val="accent2"/>
-            </a:solidFill>
-            <a:miter lim="800000"/>
-          </a:ln>
-        </p:spPr>
-        <p:style>
-          <a:lnRef idx="1">
-            <a:schemeClr val="accent1"/>
-          </a:lnRef>
-          <a:fillRef idx="3">
-            <a:schemeClr val="accent1"/>
-          </a:fillRef>
-          <a:effectRef idx="2">
-            <a:schemeClr val="accent1"/>
-          </a:effectRef>
-          <a:fontRef idx="minor">
-            <a:schemeClr val="lt1"/>
-          </a:fontRef>
-        </p:style>
-      </p:sp>
-      <p:sp>
-        <p:nvSpPr>
-          <p:cNvPr id="2" name="Title 1">
-            <a:extLst>
-              <a:ext uri="{FF2B5EF4-FFF2-40B4-BE49-F238E27FC236}">
-                <a16:creationId xmlns:a16="http://schemas.microsoft.com/office/drawing/2014/main" id="{86CB2242-FA47-4B4E-A4F4-C20D18286AE0}"/>
-              </a:ext>
-            </a:extLst>
-          </p:cNvPr>
-          <p:cNvSpPr>
-            <a:spLocks noGrp="1"/>
-          </p:cNvSpPr>
-          <p:nvPr>
-            <p:ph type="title"/>
-          </p:nvPr>
-        </p:nvSpPr>
-        <p:spPr>
-          <a:xfrm>
-            <a:off x="1295402" y="982132"/>
-            <a:ext cx="9601196" cy="1303867"/>
-          </a:xfrm>
-        </p:spPr>
-        <p:txBody>
-          <a:bodyPr>
-            <a:normAutofit/>
-          </a:bodyPr>
-          <a:lstStyle/>
-          <a:p>
-            <a:r>
-              <a:rPr lang="pt-PT" dirty="0"/>
-              <a:t>Destaque de funcionalidade</a:t>
-            </a:r>
-          </a:p>
-        </p:txBody>
-      </p:sp>
-      <p:sp>
-        <p:nvSpPr>
-          <p:cNvPr id="3" name="Content Placeholder 2">
-            <a:extLst>
-              <a:ext uri="{FF2B5EF4-FFF2-40B4-BE49-F238E27FC236}">
-                <a16:creationId xmlns:a16="http://schemas.microsoft.com/office/drawing/2014/main" id="{4B5DDF21-4351-384D-BCEF-8B7415B480CC}"/>
-              </a:ext>
-            </a:extLst>
-          </p:cNvPr>
-          <p:cNvSpPr>
-            <a:spLocks noGrp="1"/>
-          </p:cNvSpPr>
-          <p:nvPr>
-            <p:ph idx="1"/>
-          </p:nvPr>
-        </p:nvSpPr>
-        <p:spPr>
-          <a:xfrm>
-            <a:off x="1295401" y="2556932"/>
-            <a:ext cx="9601196" cy="3318936"/>
-          </a:xfrm>
-        </p:spPr>
-        <p:txBody>
-          <a:bodyPr>
-            <a:normAutofit/>
-          </a:bodyPr>
-          <a:lstStyle/>
-          <a:p>
-            <a:endParaRPr lang="pt-PT" dirty="0"/>
-          </a:p>
-        </p:txBody>
-      </p:sp>
-    </p:spTree>
-    <p:extLst>
-      <p:ext uri="{BB962C8B-B14F-4D97-AF65-F5344CB8AC3E}">
-        <p14:creationId xmlns:p14="http://schemas.microsoft.com/office/powerpoint/2010/main" val="1782973833"/>
-      </p:ext>
-    </p:extLst>
-  </p:cSld>
-  <p:clrMapOvr>
-    <a:masterClrMapping/>
-  </p:clrMapOvr>
-</p:sld>
-</file>
-
-<file path=ppt/slides/slide11.xml><?xml version="1.0" encoding="utf-8"?>
-<p:sld xmlns:a="http://schemas.openxmlformats.org/drawingml/2006/main" xmlns:r="http://schemas.openxmlformats.org/officeDocument/2006/relationships" xmlns:p="http://schemas.openxmlformats.org/presentationml/2006/main">
-  <p:cSld>
-    <p:bg>
-      <p:bgPr>
         <a:solidFill>
           <a:schemeClr val="bg2"/>
         </a:solidFill>
@@ -10663,7 +10365,7 @@
         </p:spPr>
         <p:txBody>
           <a:bodyPr anchor="ctr">
-            <a:normAutofit lnSpcReduction="10000"/>
+            <a:normAutofit fontScale="92500" lnSpcReduction="20000"/>
           </a:bodyPr>
           <a:lstStyle/>
           <a:p>
@@ -10822,6 +10524,16 @@
                 </a:solidFill>
               </a:rPr>
               <a:t>.</a:t>
+            </a:r>
+          </a:p>
+          <a:p>
+            <a:r>
+              <a:rPr lang="pt-PT" sz="2000" dirty="0">
+                <a:solidFill>
+                  <a:schemeClr val="tx1"/>
+                </a:solidFill>
+              </a:rPr>
+              <a:t>De acordo com o input do utilizador, o programa seleciona apenas as linhas noturnas ou diurnas</a:t>
             </a:r>
           </a:p>
           <a:p>
@@ -12248,7 +11960,39 @@
             </a:r>
             <a:r>
               <a:rPr lang="en-PT" dirty="0"/>
-              <a:t>²*|E|*log|V|</a:t>
+              <a:t>²</a:t>
+            </a:r>
+            <a:r>
+              <a:rPr lang="en-GB" dirty="0"/>
+              <a:t> </a:t>
+            </a:r>
+            <a:r>
+              <a:rPr lang="en-PT" dirty="0"/>
+              <a:t>*</a:t>
+            </a:r>
+            <a:r>
+              <a:rPr lang="en-GB" dirty="0"/>
+              <a:t> </a:t>
+            </a:r>
+            <a:r>
+              <a:rPr lang="en-PT" dirty="0"/>
+              <a:t>|E|</a:t>
+            </a:r>
+            <a:r>
+              <a:rPr lang="en-GB" dirty="0"/>
+              <a:t> </a:t>
+            </a:r>
+            <a:r>
+              <a:rPr lang="en-PT" dirty="0"/>
+              <a:t>*</a:t>
+            </a:r>
+            <a:r>
+              <a:rPr lang="en-GB" dirty="0"/>
+              <a:t> </a:t>
+            </a:r>
+            <a:r>
+              <a:rPr lang="en-PT" dirty="0"/>
+              <a:t>log|V|</a:t>
             </a:r>
             <a:r>
               <a:rPr lang="pt-PT" dirty="0"/>
@@ -12267,7 +12011,39 @@
             </a:r>
             <a:r>
               <a:rPr lang="en-PT" dirty="0"/>
-              <a:t>²*|E|*log|V| ) );</a:t>
+              <a:t>²</a:t>
+            </a:r>
+            <a:r>
+              <a:rPr lang="en-GB" dirty="0"/>
+              <a:t> </a:t>
+            </a:r>
+            <a:r>
+              <a:rPr lang="en-PT" dirty="0"/>
+              <a:t>*</a:t>
+            </a:r>
+            <a:r>
+              <a:rPr lang="en-GB" dirty="0"/>
+              <a:t> </a:t>
+            </a:r>
+            <a:r>
+              <a:rPr lang="en-PT" dirty="0"/>
+              <a:t>|E|</a:t>
+            </a:r>
+            <a:r>
+              <a:rPr lang="en-GB" dirty="0"/>
+              <a:t> </a:t>
+            </a:r>
+            <a:r>
+              <a:rPr lang="en-PT" dirty="0"/>
+              <a:t>*</a:t>
+            </a:r>
+            <a:r>
+              <a:rPr lang="en-GB" dirty="0"/>
+              <a:t> </a:t>
+            </a:r>
+            <a:r>
+              <a:rPr lang="en-PT" dirty="0"/>
+              <a:t>log|V| ) );</a:t>
             </a:r>
             <a:endParaRPr lang="pt-PT" dirty="0"/>
           </a:p>
@@ -12283,7 +12059,31 @@
             </a:r>
             <a:r>
               <a:rPr lang="en-PT" dirty="0"/>
-              <a:t>²*|E|*log|V| ) );</a:t>
+              <a:t>²</a:t>
+            </a:r>
+            <a:r>
+              <a:rPr lang="en-GB" dirty="0"/>
+              <a:t> *</a:t>
+            </a:r>
+            <a:r>
+              <a:rPr lang="en-PT" dirty="0"/>
+              <a:t>|E|</a:t>
+            </a:r>
+            <a:r>
+              <a:rPr lang="en-GB" dirty="0"/>
+              <a:t> </a:t>
+            </a:r>
+            <a:r>
+              <a:rPr lang="en-PT" dirty="0"/>
+              <a:t>*</a:t>
+            </a:r>
+            <a:r>
+              <a:rPr lang="en-GB" dirty="0"/>
+              <a:t> </a:t>
+            </a:r>
+            <a:r>
+              <a:rPr lang="en-PT" dirty="0"/>
+              <a:t>log|V| ) );</a:t>
             </a:r>
             <a:endParaRPr lang="pt-PT" dirty="0"/>
           </a:p>
@@ -12295,15 +12095,15 @@
             </a:pPr>
             <a:r>
               <a:rPr lang="pt-PT" dirty="0"/>
-              <a:t>Percurso com menos paragens. ( O( V</a:t>
-            </a:r>
-            <a:r>
-              <a:rPr lang="en-PT" dirty="0"/>
-              <a:t>²*|E|*log|V|</a:t>
+              <a:t>Percurso com menos paragens. ( O( </a:t>
+            </a:r>
+            <a:r>
+              <a:rPr lang="en-GB" dirty="0"/>
+              <a:t>|V| + |E|</a:t>
             </a:r>
             <a:r>
               <a:rPr lang="pt-PT" dirty="0"/>
-              <a:t> ) ).</a:t>
+              <a:t>) ).</a:t>
             </a:r>
           </a:p>
         </p:txBody>
@@ -12555,12 +12355,12 @@
         <p:spPr>
           <a:xfrm>
             <a:off x="1295401" y="2556932"/>
-            <a:ext cx="9601196" cy="3318936"/>
+            <a:ext cx="9601196" cy="2015070"/>
           </a:xfrm>
         </p:spPr>
         <p:txBody>
           <a:bodyPr>
-            <a:normAutofit/>
+            <a:normAutofit lnSpcReduction="10000"/>
           </a:bodyPr>
           <a:lstStyle/>
           <a:p>
@@ -12577,37 +12377,59 @@
             </a:r>
           </a:p>
           <a:p>
-            <a:pPr lvl="1"/>
+            <a:pPr lvl="1">
+              <a:buClr>
+                <a:schemeClr val="tx1"/>
+              </a:buClr>
+            </a:pPr>
             <a:r>
               <a:rPr lang="pt-PT" dirty="0">
                 <a:solidFill>
-                  <a:srgbClr val="FFFFFF"/>
+                  <a:schemeClr val="tx1"/>
                 </a:solidFill>
               </a:rPr>
               <a:t>O nosso algoritmo permite:</a:t>
             </a:r>
           </a:p>
           <a:p>
-            <a:pPr lvl="2"/>
+            <a:pPr lvl="2">
+              <a:buClr>
+                <a:schemeClr val="tx1"/>
+              </a:buClr>
+            </a:pPr>
             <a:r>
               <a:rPr lang="pt-PT" dirty="0">
                 <a:solidFill>
-                  <a:srgbClr val="FFFFFF"/>
+                  <a:schemeClr val="tx1"/>
                 </a:solidFill>
               </a:rPr>
               <a:t>Mudança de autocarro na mesma paragem;</a:t>
             </a:r>
           </a:p>
           <a:p>
-            <a:pPr lvl="2"/>
+            <a:pPr lvl="2">
+              <a:buClr>
+                <a:schemeClr val="tx1"/>
+              </a:buClr>
+            </a:pPr>
             <a:r>
               <a:rPr lang="pt-PT" dirty="0">
                 <a:solidFill>
-                  <a:srgbClr val="FFFFFF"/>
+                  <a:schemeClr val="tx1"/>
                 </a:solidFill>
               </a:rPr>
               <a:t>Andar a pé entre qualquer paragem, desde que, esteja dentro da distância máxima permitida a pé.</a:t>
             </a:r>
+          </a:p>
+          <a:p>
+            <a:pPr marL="914400" lvl="2" indent="0">
+              <a:buNone/>
+            </a:pPr>
+            <a:endParaRPr lang="pt-PT" dirty="0">
+              <a:solidFill>
+                <a:srgbClr val="FFFFFF"/>
+              </a:solidFill>
+            </a:endParaRPr>
           </a:p>
           <a:p>
             <a:pPr lvl="2"/>
@@ -12616,6 +12438,97 @@
                 <a:srgbClr val="FFFFFF"/>
               </a:solidFill>
             </a:endParaRPr>
+          </a:p>
+        </p:txBody>
+      </p:sp>
+      <p:sp>
+        <p:nvSpPr>
+          <p:cNvPr id="4" name="TextBox 3">
+            <a:extLst>
+              <a:ext uri="{FF2B5EF4-FFF2-40B4-BE49-F238E27FC236}">
+                <a16:creationId xmlns:a16="http://schemas.microsoft.com/office/drawing/2014/main" id="{35551DC0-8317-4849-B764-CD112EA27B1E}"/>
+              </a:ext>
+            </a:extLst>
+          </p:cNvPr>
+          <p:cNvSpPr txBox="1"/>
+          <p:nvPr/>
+        </p:nvSpPr>
+        <p:spPr>
+          <a:xfrm>
+            <a:off x="1295401" y="4572002"/>
+            <a:ext cx="9372599" cy="1477328"/>
+          </a:xfrm>
+          <a:prstGeom prst="rect">
+            <a:avLst/>
+          </a:prstGeom>
+          <a:noFill/>
+        </p:spPr>
+        <p:txBody>
+          <a:bodyPr wrap="square" rtlCol="0">
+            <a:spAutoFit/>
+          </a:bodyPr>
+          <a:lstStyle/>
+          <a:p>
+            <a:pPr marL="0" indent="0">
+              <a:buNone/>
+            </a:pPr>
+            <a:r>
+              <a:rPr lang="pt-PT" b="1" dirty="0">
+                <a:solidFill>
+                  <a:srgbClr val="FFFFFF"/>
+                </a:solidFill>
+              </a:rPr>
+              <a:t>Extras:</a:t>
+            </a:r>
+          </a:p>
+          <a:p>
+            <a:pPr marL="742950" lvl="1" indent="-285750">
+              <a:buFont typeface="Arial" panose="020B0604020202020204" pitchFamily="34" charset="0"/>
+              <a:buChar char="•"/>
+            </a:pPr>
+            <a:r>
+              <a:rPr lang="pt-PT" dirty="0">
+                <a:solidFill>
+                  <a:srgbClr val="FFFFFF"/>
+                </a:solidFill>
+              </a:rPr>
+              <a:t>O nosso algoritmo permite ainda:</a:t>
+            </a:r>
+          </a:p>
+          <a:p>
+            <a:pPr marL="1200150" lvl="2" indent="-285750">
+              <a:buFont typeface="Arial" panose="020B0604020202020204" pitchFamily="34" charset="0"/>
+              <a:buChar char="•"/>
+            </a:pPr>
+            <a:r>
+              <a:rPr lang="pt-PT" dirty="0">
+                <a:solidFill>
+                  <a:srgbClr val="FFFFFF"/>
+                </a:solidFill>
+              </a:rPr>
+              <a:t>Escolher percursos noturnos ou diurnos</a:t>
+            </a:r>
+          </a:p>
+          <a:p>
+            <a:pPr marL="1200150" lvl="2" indent="-285750">
+              <a:buFont typeface="Arial" panose="020B0604020202020204" pitchFamily="34" charset="0"/>
+              <a:buChar char="•"/>
+            </a:pPr>
+            <a:r>
+              <a:rPr lang="pt-PT" dirty="0">
+                <a:solidFill>
+                  <a:srgbClr val="FFFFFF"/>
+                </a:solidFill>
+              </a:rPr>
+              <a:t>Escolher não passar por certas paragens e não usar certas linhas</a:t>
+            </a:r>
+          </a:p>
+          <a:p>
+            <a:pPr marL="285750" indent="-285750">
+              <a:buFont typeface="Arial" panose="020B0604020202020204" pitchFamily="34" charset="0"/>
+              <a:buChar char="•"/>
+            </a:pPr>
+            <a:endParaRPr lang="pt-PT" dirty="0"/>
           </a:p>
         </p:txBody>
       </p:sp>
@@ -13215,9 +13128,10 @@
   <p:cSld>
     <p:bg>
       <p:bgPr>
-        <a:solidFill>
-          <a:schemeClr val="bg2"/>
-        </a:solidFill>
+        <a:blipFill>
+          <a:blip r:embed="rId2"/>
+          <a:stretch/>
+        </a:blipFill>
         <a:effectLst/>
       </p:bgPr>
     </p:bg>
@@ -13235,12 +13149,12 @@
           <a:chExt cx="0" cy="0"/>
         </a:xfrm>
       </p:grpSpPr>
-      <p:sp>
+      <p:sp useBgFill="1">
         <p:nvSpPr>
-          <p:cNvPr id="8" name="Rectangle 7">
+          <p:cNvPr id="17" name="Rectangle 16">
             <a:extLst>
               <a:ext uri="{FF2B5EF4-FFF2-40B4-BE49-F238E27FC236}">
-                <a16:creationId xmlns:a16="http://schemas.microsoft.com/office/drawing/2014/main" id="{65604E06-DF9D-4C49-8314-4F0307BD5E2F}"/>
+                <a16:creationId xmlns:a16="http://schemas.microsoft.com/office/drawing/2014/main" id="{001B0E35-F788-4608-ABBE-0D971AA5028F}"/>
               </a:ext>
               <a:ext uri="{C183D7F6-B498-43B3-948B-1728B52AA6E4}">
                 <adec:decorative xmlns:adec="http://schemas.microsoft.com/office/drawing/2017/decorative" val="1"/>
@@ -13266,68 +13180,41 @@
           <a:prstGeom prst="rect">
             <a:avLst/>
           </a:prstGeom>
-          <a:ln w="15875" cap="flat" cmpd="sng" algn="ctr">
+          <a:ln>
             <a:noFill/>
-            <a:prstDash val="solid"/>
           </a:ln>
-          <a:effectLst/>
         </p:spPr>
         <p:style>
-          <a:lnRef idx="0">
-            <a:scrgbClr r="0" g="0" b="0"/>
+          <a:lnRef idx="2">
+            <a:schemeClr val="accent1">
+              <a:shade val="50000"/>
+            </a:schemeClr>
           </a:lnRef>
-          <a:fillRef idx="1003">
-            <a:schemeClr val="dk1"/>
+          <a:fillRef idx="1">
+            <a:schemeClr val="accent1"/>
           </a:fillRef>
           <a:effectRef idx="0">
-            <a:scrgbClr r="0" g="0" b="0"/>
+            <a:schemeClr val="accent1"/>
           </a:effectRef>
-          <a:fontRef idx="major"/>
+          <a:fontRef idx="minor">
+            <a:schemeClr val="lt1"/>
+          </a:fontRef>
         </p:style>
         <p:txBody>
           <a:bodyPr rtlCol="0" anchor="ctr"/>
           <a:lstStyle/>
           <a:p>
-            <a:pPr marL="0" marR="0" lvl="0" indent="0" algn="ctr" defTabSz="914400" eaLnBrk="1" fontAlgn="auto" latinLnBrk="0" hangingPunct="1">
-              <a:lnSpc>
-                <a:spcPct val="100000"/>
-              </a:lnSpc>
-              <a:spcBef>
-                <a:spcPts val="0"/>
-              </a:spcBef>
-              <a:spcAft>
-                <a:spcPts val="0"/>
-              </a:spcAft>
-              <a:buClrTx/>
-              <a:buSzTx/>
-              <a:buFontTx/>
-              <a:buNone/>
-              <a:tabLst/>
-              <a:defRPr/>
-            </a:pPr>
-            <a:endParaRPr kumimoji="0" lang="en-US" sz="1800" b="0" i="0" u="none" strike="noStrike" kern="0" cap="none" spc="0" normalizeH="0" baseline="0" noProof="0">
-              <a:ln>
-                <a:noFill/>
-              </a:ln>
-              <a:solidFill>
-                <a:prstClr val="white"/>
-              </a:solidFill>
-              <a:effectLst/>
-              <a:uLnTx/>
-              <a:uFillTx/>
-              <a:latin typeface="Garamond" panose="02020404030301010803"/>
-              <a:ea typeface="+mn-ea"/>
-              <a:cs typeface="+mn-cs"/>
-            </a:endParaRPr>
+            <a:pPr algn="ctr"/>
+            <a:endParaRPr lang="en-US"/>
           </a:p>
         </p:txBody>
       </p:sp>
       <p:sp>
         <p:nvSpPr>
-          <p:cNvPr id="10" name="Rectangle 9">
+          <p:cNvPr id="19" name="Rectangle 18">
             <a:extLst>
               <a:ext uri="{FF2B5EF4-FFF2-40B4-BE49-F238E27FC236}">
-                <a16:creationId xmlns:a16="http://schemas.microsoft.com/office/drawing/2014/main" id="{CF166AD8-180F-4585-8444-D6E3F1B037D2}"/>
+                <a16:creationId xmlns:a16="http://schemas.microsoft.com/office/drawing/2014/main" id="{4431B8EA-FCCA-47DD-A0C4-A653EC4AB846}"/>
               </a:ext>
               <a:ext uri="{C183D7F6-B498-43B3-948B-1728B52AA6E4}">
                 <adec:decorative xmlns:adec="http://schemas.microsoft.com/office/drawing/2017/decorative" val="1"/>
@@ -13347,23 +13234,20 @@
         </p:nvSpPr>
         <p:spPr>
           <a:xfrm>
-            <a:off x="661795" y="643468"/>
-            <a:ext cx="10905066" cy="5571065"/>
+            <a:off x="474662" y="469900"/>
+            <a:ext cx="11239500" cy="5918200"/>
           </a:xfrm>
           <a:prstGeom prst="rect">
             <a:avLst/>
           </a:prstGeom>
           <a:solidFill>
-            <a:schemeClr val="tx2">
-              <a:lumMod val="90000"/>
-              <a:lumOff val="10000"/>
-            </a:schemeClr>
+            <a:schemeClr val="bg1"/>
           </a:solidFill>
           <a:ln>
             <a:noFill/>
           </a:ln>
           <a:effectLst>
-            <a:outerShdw blurRad="114300" dist="127000" dir="5400000" sx="99000" sy="99000" algn="t" rotWithShape="0">
+            <a:outerShdw blurRad="50800" dist="38100" dir="5400000" algn="t" rotWithShape="0">
               <a:prstClr val="black">
                 <a:alpha val="40000"/>
               </a:prstClr>
@@ -13371,21 +13255,10 @@
           </a:effectLst>
           <a:scene3d>
             <a:camera prst="orthographicFront"/>
-            <a:lightRig rig="twoPt" dir="t"/>
+            <a:lightRig rig="balanced" dir="t"/>
           </a:scene3d>
-          <a:sp3d extrusionH="76200" contourW="12700">
-            <a:bevelT w="19050" h="0" prst="coolSlant"/>
-            <a:extrusionClr>
-              <a:schemeClr val="accent3">
-                <a:lumMod val="50000"/>
-              </a:schemeClr>
-            </a:extrusionClr>
-            <a:contourClr>
-              <a:schemeClr val="tx2">
-                <a:lumMod val="75000"/>
-                <a:lumOff val="25000"/>
-              </a:schemeClr>
-            </a:contourClr>
+          <a:sp3d>
+            <a:bevelT w="6350" h="6350"/>
           </a:sp3d>
         </p:spPr>
         <p:style>
@@ -13413,12 +13286,12 @@
           </a:p>
         </p:txBody>
       </p:sp>
-      <p:sp useBgFill="1">
+      <p:sp>
         <p:nvSpPr>
-          <p:cNvPr id="12" name="Rectangle 11">
+          <p:cNvPr id="21" name="Rectangle 20">
             <a:extLst>
               <a:ext uri="{FF2B5EF4-FFF2-40B4-BE49-F238E27FC236}">
-                <a16:creationId xmlns:a16="http://schemas.microsoft.com/office/drawing/2014/main" id="{1419DD48-144F-4836-9C0F-7A3BFC28AA44}"/>
+                <a16:creationId xmlns:a16="http://schemas.microsoft.com/office/drawing/2014/main" id="{1C781EDE-83AA-44D6-8054-A4E2D6F28086}"/>
               </a:ext>
               <a:ext uri="{C183D7F6-B498-43B3-948B-1728B52AA6E4}">
                 <adec:decorative xmlns:adec="http://schemas.microsoft.com/office/drawing/2017/decorative" val="1"/>
@@ -13438,17 +13311,19 @@
         </p:nvSpPr>
         <p:spPr>
           <a:xfrm>
-            <a:off x="824524" y="809244"/>
-            <a:ext cx="10579608" cy="5239512"/>
+            <a:off x="608012" y="609600"/>
+            <a:ext cx="10972800" cy="5638800"/>
           </a:xfrm>
           <a:prstGeom prst="rect">
             <a:avLst/>
           </a:prstGeom>
-          <a:ln w="15875">
-            <a:noFill/>
+          <a:noFill/>
+          <a:ln w="15875" cap="flat">
+            <a:solidFill>
+              <a:schemeClr val="accent2"/>
+            </a:solidFill>
             <a:miter lim="800000"/>
           </a:ln>
-          <a:effectLst/>
         </p:spPr>
         <p:style>
           <a:lnRef idx="1">
@@ -13470,7 +13345,7 @@
           <p:cNvPr id="2" name="Title 1">
             <a:extLst>
               <a:ext uri="{FF2B5EF4-FFF2-40B4-BE49-F238E27FC236}">
-                <a16:creationId xmlns:a16="http://schemas.microsoft.com/office/drawing/2014/main" id="{CF27CCD9-BE33-45DC-8EB5-17F31433EB1D}"/>
+                <a16:creationId xmlns:a16="http://schemas.microsoft.com/office/drawing/2014/main" id="{86CB2242-FA47-4B4E-A4F4-C20D18286AE0}"/>
               </a:ext>
             </a:extLst>
           </p:cNvPr>
@@ -13483,8 +13358,8 @@
         </p:nvSpPr>
         <p:spPr>
           <a:xfrm>
-            <a:off x="1295402" y="1508760"/>
-            <a:ext cx="2918458" cy="3840480"/>
+            <a:off x="1295402" y="982132"/>
+            <a:ext cx="9601196" cy="1303867"/>
           </a:xfrm>
         </p:spPr>
         <p:txBody>
@@ -13494,70 +13369,18 @@
           <a:lstStyle/>
           <a:p>
             <a:r>
-              <a:rPr lang="pt-PT" dirty="0">
-                <a:solidFill>
-                  <a:schemeClr val="tx1"/>
-                </a:solidFill>
-              </a:rPr>
-              <a:t>Interface com o utilizador</a:t>
+              <a:rPr lang="pt-PT" dirty="0"/>
+              <a:t>Destaque de funcionalidade</a:t>
             </a:r>
           </a:p>
         </p:txBody>
       </p:sp>
-      <p:cxnSp>
-        <p:nvCxnSpPr>
-          <p:cNvPr id="14" name="Straight Connector 13">
-            <a:extLst>
-              <a:ext uri="{FF2B5EF4-FFF2-40B4-BE49-F238E27FC236}">
-                <a16:creationId xmlns:a16="http://schemas.microsoft.com/office/drawing/2014/main" id="{14379797-D651-47FF-942A-A38CFE97E5A9}"/>
-              </a:ext>
-              <a:ext uri="{C183D7F6-B498-43B3-948B-1728B52AA6E4}">
-                <adec:decorative xmlns:adec="http://schemas.microsoft.com/office/drawing/2017/decorative" val="1"/>
-              </a:ext>
-            </a:extLst>
-          </p:cNvPr>
-          <p:cNvCxnSpPr>
-            <a:cxnSpLocks noGrp="1" noRot="1" noChangeAspect="1" noMove="1" noResize="1" noEditPoints="1" noAdjustHandles="1" noChangeArrowheads="1" noChangeShapeType="1"/>
-          </p:cNvCxnSpPr>
-          <p:nvPr>
-            <p:extLst>
-              <p:ext uri="{386F3935-93C4-4BCD-93E2-E3B085C9AB24}">
-                <p16:designElem xmlns:p16="http://schemas.microsoft.com/office/powerpoint/2015/main" val="1"/>
-              </p:ext>
-            </p:extLst>
-          </p:nvPr>
-        </p:nvCxnSpPr>
-        <p:spPr>
-          <a:xfrm>
-            <a:off x="4656219" y="1508760"/>
-            <a:ext cx="0" cy="3840480"/>
-          </a:xfrm>
-          <a:prstGeom prst="line">
-            <a:avLst/>
-          </a:prstGeom>
-          <a:ln w="15875"/>
-        </p:spPr>
-        <p:style>
-          <a:lnRef idx="1">
-            <a:schemeClr val="accent1"/>
-          </a:lnRef>
-          <a:fillRef idx="0">
-            <a:schemeClr val="accent1"/>
-          </a:fillRef>
-          <a:effectRef idx="0">
-            <a:schemeClr val="accent1"/>
-          </a:effectRef>
-          <a:fontRef idx="minor">
-            <a:schemeClr val="tx1"/>
-          </a:fontRef>
-        </p:style>
-      </p:cxnSp>
       <p:sp>
         <p:nvSpPr>
           <p:cNvPr id="3" name="Content Placeholder 2">
             <a:extLst>
               <a:ext uri="{FF2B5EF4-FFF2-40B4-BE49-F238E27FC236}">
-                <a16:creationId xmlns:a16="http://schemas.microsoft.com/office/drawing/2014/main" id="{09FBE8CC-EB43-4101-8550-F6BCEE9D5F66}"/>
+                <a16:creationId xmlns:a16="http://schemas.microsoft.com/office/drawing/2014/main" id="{4B5DDF21-4351-384D-BCEF-8B7415B480CC}"/>
               </a:ext>
             </a:extLst>
           </p:cNvPr>
@@ -13570,36 +13393,29 @@
         </p:nvSpPr>
         <p:spPr>
           <a:xfrm>
-            <a:off x="4907279" y="1508760"/>
-            <a:ext cx="5989317" cy="3840480"/>
+            <a:off x="1295401" y="2556932"/>
+            <a:ext cx="9601196" cy="3318936"/>
           </a:xfrm>
         </p:spPr>
         <p:txBody>
-          <a:bodyPr anchor="ctr">
+          <a:bodyPr>
             <a:normAutofit/>
           </a:bodyPr>
           <a:lstStyle/>
           <a:p>
-            <a:r>
-              <a:rPr lang="pt-PT" sz="2000" dirty="0">
-                <a:solidFill>
-                  <a:schemeClr val="tx1"/>
-                </a:solidFill>
-              </a:rPr>
-              <a:t>VIDEO</a:t>
-            </a:r>
+            <a:endParaRPr lang="pt-PT" dirty="0"/>
           </a:p>
         </p:txBody>
       </p:sp>
     </p:spTree>
     <p:extLst>
       <p:ext uri="{BB962C8B-B14F-4D97-AF65-F5344CB8AC3E}">
-        <p14:creationId xmlns:p14="http://schemas.microsoft.com/office/powerpoint/2010/main" val="1692182504"/>
+        <p14:creationId xmlns:p14="http://schemas.microsoft.com/office/powerpoint/2010/main" val="1782973833"/>
       </p:ext>
     </p:extLst>
   </p:cSld>
   <p:clrMapOvr>
-    <a:overrideClrMapping bg1="dk1" tx1="lt1" bg2="dk2" tx2="lt2" accent1="accent1" accent2="accent2" accent3="accent3" accent4="accent4" accent5="accent5" accent6="accent6" hlink="hlink" folHlink="folHlink"/>
+    <a:masterClrMapping/>
   </p:clrMapOvr>
 </p:sld>
 </file>

--- a/Projeto2AED.pptx
+++ b/Projeto2AED.pptx
@@ -883,7 +883,7 @@
       </dgm:t>
     </dgm:pt>
     <dgm:pt modelId="{3FD165FC-C2D9-47A7-BE12-E44AC9138ADF}">
-      <dgm:prSet/>
+      <dgm:prSet custT="1"/>
       <dgm:spPr/>
       <dgm:t>
         <a:bodyPr/>
@@ -896,10 +896,10 @@
             <a:defRPr b="1"/>
           </a:pPr>
           <a:r>
-            <a:rPr lang="pt-PT"/>
+            <a:rPr lang="pt-PT" sz="1600" dirty="0"/>
             <a:t>Criação de um interface intuitivo e fácil de usar</a:t>
           </a:r>
-          <a:endParaRPr lang="en-US"/>
+          <a:endParaRPr lang="en-US" sz="1600" dirty="0"/>
         </a:p>
       </dgm:t>
     </dgm:pt>
@@ -926,7 +926,7 @@
       </dgm:t>
     </dgm:pt>
     <dgm:pt modelId="{57204116-B6FD-446A-8979-BF88D9C42CE6}">
-      <dgm:prSet/>
+      <dgm:prSet custT="1"/>
       <dgm:spPr/>
       <dgm:t>
         <a:bodyPr/>
@@ -939,10 +939,10 @@
             <a:defRPr b="1"/>
           </a:pPr>
           <a:r>
-            <a:rPr lang="pt-PT" b="1"/>
+            <a:rPr lang="pt-PT" sz="1600" b="1" dirty="0"/>
             <a:t>Esforço de cada membro:</a:t>
           </a:r>
-          <a:endParaRPr lang="en-US"/>
+          <a:endParaRPr lang="en-US" sz="1600" dirty="0"/>
         </a:p>
       </dgm:t>
     </dgm:pt>
@@ -969,7 +969,7 @@
       </dgm:t>
     </dgm:pt>
     <dgm:pt modelId="{7E685FA7-C614-43E8-ADCC-6469BFD189F7}">
-      <dgm:prSet/>
+      <dgm:prSet custT="1"/>
       <dgm:spPr/>
       <dgm:t>
         <a:bodyPr/>
@@ -981,10 +981,10 @@
             </a:lnSpc>
           </a:pPr>
           <a:r>
-            <a:rPr lang="pt-PT"/>
+            <a:rPr lang="pt-PT" sz="1400" dirty="0"/>
             <a:t>André Sousa: 33%</a:t>
           </a:r>
-          <a:endParaRPr lang="en-US"/>
+          <a:endParaRPr lang="en-US" sz="1400" dirty="0"/>
         </a:p>
       </dgm:t>
     </dgm:pt>
@@ -1011,7 +1011,7 @@
       </dgm:t>
     </dgm:pt>
     <dgm:pt modelId="{308D63AD-CBE2-46B1-B148-DA706FFFF58D}">
-      <dgm:prSet/>
+      <dgm:prSet custT="1"/>
       <dgm:spPr/>
       <dgm:t>
         <a:bodyPr/>
@@ -1023,10 +1023,10 @@
             </a:lnSpc>
           </a:pPr>
           <a:r>
-            <a:rPr lang="pt-PT"/>
+            <a:rPr lang="pt-PT" sz="1400" dirty="0"/>
             <a:t>João Félix: 33%</a:t>
           </a:r>
-          <a:endParaRPr lang="en-US"/>
+          <a:endParaRPr lang="en-US" sz="1400" dirty="0"/>
         </a:p>
       </dgm:t>
     </dgm:pt>
@@ -1053,7 +1053,7 @@
       </dgm:t>
     </dgm:pt>
     <dgm:pt modelId="{68DC72C7-610D-4549-8790-BE1A4D24FDBE}">
-      <dgm:prSet/>
+      <dgm:prSet custT="1"/>
       <dgm:spPr/>
       <dgm:t>
         <a:bodyPr/>
@@ -1065,10 +1065,10 @@
             </a:lnSpc>
           </a:pPr>
           <a:r>
-            <a:rPr lang="pt-PT"/>
+            <a:rPr lang="pt-PT" sz="1400" dirty="0"/>
             <a:t>Pedro Fonseca: 33%</a:t>
           </a:r>
-          <a:endParaRPr lang="en-US"/>
+          <a:endParaRPr lang="en-US" sz="1400" dirty="0"/>
         </a:p>
       </dgm:t>
     </dgm:pt>
@@ -1263,7 +1263,7 @@
       </dsp:nvSpPr>
       <dsp:spPr>
         <a:xfrm>
-          <a:off x="897466" y="868239"/>
+          <a:off x="897466" y="756813"/>
           <a:ext cx="962718" cy="962718"/>
         </a:xfrm>
         <a:prstGeom prst="rect">
@@ -1319,8 +1319,8 @@
       </dsp:nvSpPr>
       <dsp:spPr>
         <a:xfrm>
-          <a:off x="3513" y="1921484"/>
-          <a:ext cx="2750625" cy="412593"/>
+          <a:off x="3513" y="1819641"/>
+          <a:ext cx="2750625" cy="464167"/>
         </a:xfrm>
         <a:prstGeom prst="rect">
           <a:avLst/>
@@ -1349,7 +1349,7 @@
         </a:bodyPr>
         <a:lstStyle/>
         <a:p>
-          <a:pPr marL="0" lvl="0" indent="0" algn="ctr" defTabSz="622300">
+          <a:pPr marL="0" lvl="0" indent="0" algn="ctr" defTabSz="711200">
             <a:lnSpc>
               <a:spcPct val="100000"/>
             </a:lnSpc>
@@ -1363,15 +1363,15 @@
             <a:defRPr b="1"/>
           </a:pPr>
           <a:r>
-            <a:rPr lang="pt-PT" sz="1400" kern="1200"/>
+            <a:rPr lang="pt-PT" sz="1600" kern="1200" dirty="0"/>
             <a:t>Criação de um interface intuitivo e fácil de usar</a:t>
           </a:r>
-          <a:endParaRPr lang="en-US" sz="1400" kern="1200"/>
+          <a:endParaRPr lang="en-US" sz="1600" kern="1200" dirty="0"/>
         </a:p>
       </dsp:txBody>
       <dsp:txXfrm>
-        <a:off x="3513" y="1921484"/>
-        <a:ext cx="2750625" cy="412593"/>
+        <a:off x="3513" y="1819641"/>
+        <a:ext cx="2750625" cy="464167"/>
       </dsp:txXfrm>
     </dsp:sp>
     <dsp:sp modelId="{64971207-B790-45DA-B099-07E7575CF093}">
@@ -1381,8 +1381,8 @@
       </dsp:nvSpPr>
       <dsp:spPr>
         <a:xfrm>
-          <a:off x="3513" y="2376183"/>
-          <a:ext cx="2750625" cy="597326"/>
+          <a:off x="3513" y="2330371"/>
+          <a:ext cx="2750625" cy="754564"/>
         </a:xfrm>
         <a:prstGeom prst="rect">
           <a:avLst/>
@@ -1413,7 +1413,7 @@
       </dsp:nvSpPr>
       <dsp:spPr>
         <a:xfrm>
-          <a:off x="4129451" y="868239"/>
+          <a:off x="4129451" y="756813"/>
           <a:ext cx="962718" cy="962718"/>
         </a:xfrm>
         <a:prstGeom prst="rect">
@@ -1469,8 +1469,70 @@
       </dsp:nvSpPr>
       <dsp:spPr>
         <a:xfrm>
-          <a:off x="3235498" y="1921484"/>
-          <a:ext cx="2750625" cy="412593"/>
+          <a:off x="3235498" y="1819641"/>
+          <a:ext cx="2750625" cy="464167"/>
+        </a:xfrm>
+        <a:prstGeom prst="rect">
+          <a:avLst/>
+        </a:prstGeom>
+        <a:noFill/>
+        <a:ln>
+          <a:noFill/>
+        </a:ln>
+        <a:effectLst/>
+      </dsp:spPr>
+      <dsp:style>
+        <a:lnRef idx="0">
+          <a:scrgbClr r="0" g="0" b="0"/>
+        </a:lnRef>
+        <a:fillRef idx="0">
+          <a:scrgbClr r="0" g="0" b="0"/>
+        </a:fillRef>
+        <a:effectRef idx="0">
+          <a:scrgbClr r="0" g="0" b="0"/>
+        </a:effectRef>
+        <a:fontRef idx="minor"/>
+      </dsp:style>
+      <dsp:txBody>
+        <a:bodyPr spcFirstLastPara="0" vert="horz" wrap="square" lIns="0" tIns="0" rIns="0" bIns="0" numCol="1" spcCol="1270" anchor="t" anchorCtr="0">
+          <a:noAutofit/>
+        </a:bodyPr>
+        <a:lstStyle/>
+        <a:p>
+          <a:pPr marL="0" lvl="0" indent="0" algn="ctr" defTabSz="711200">
+            <a:lnSpc>
+              <a:spcPct val="100000"/>
+            </a:lnSpc>
+            <a:spcBef>
+              <a:spcPct val="0"/>
+            </a:spcBef>
+            <a:spcAft>
+              <a:spcPct val="35000"/>
+            </a:spcAft>
+            <a:buNone/>
+            <a:defRPr b="1"/>
+          </a:pPr>
+          <a:r>
+            <a:rPr lang="pt-PT" sz="1600" b="1" kern="1200" dirty="0"/>
+            <a:t>Esforço de cada membro:</a:t>
+          </a:r>
+          <a:endParaRPr lang="en-US" sz="1600" kern="1200" dirty="0"/>
+        </a:p>
+      </dsp:txBody>
+      <dsp:txXfrm>
+        <a:off x="3235498" y="1819641"/>
+        <a:ext cx="2750625" cy="464167"/>
+      </dsp:txXfrm>
+    </dsp:sp>
+    <dsp:sp modelId="{B3935C72-62EE-4E6C-A164-DE45FD096FF1}">
+      <dsp:nvSpPr>
+        <dsp:cNvPr id="0" name=""/>
+        <dsp:cNvSpPr/>
+      </dsp:nvSpPr>
+      <dsp:spPr>
+        <a:xfrm>
+          <a:off x="3235498" y="2330371"/>
+          <a:ext cx="2750625" cy="754564"/>
         </a:xfrm>
         <a:prstGeom prst="rect">
           <a:avLst/>
@@ -1510,58 +1572,15 @@
               <a:spcPct val="35000"/>
             </a:spcAft>
             <a:buNone/>
-            <a:defRPr b="1"/>
           </a:pPr>
           <a:r>
-            <a:rPr lang="pt-PT" sz="1400" b="1" kern="1200"/>
-            <a:t>Esforço de cada membro:</a:t>
+            <a:rPr lang="pt-PT" sz="1400" kern="1200" dirty="0"/>
+            <a:t>André Sousa: 33%</a:t>
           </a:r>
-          <a:endParaRPr lang="en-US" sz="1400" kern="1200"/>
+          <a:endParaRPr lang="en-US" sz="1400" kern="1200" dirty="0"/>
         </a:p>
-      </dsp:txBody>
-      <dsp:txXfrm>
-        <a:off x="3235498" y="1921484"/>
-        <a:ext cx="2750625" cy="412593"/>
-      </dsp:txXfrm>
-    </dsp:sp>
-    <dsp:sp modelId="{B3935C72-62EE-4E6C-A164-DE45FD096FF1}">
-      <dsp:nvSpPr>
-        <dsp:cNvPr id="0" name=""/>
-        <dsp:cNvSpPr/>
-      </dsp:nvSpPr>
-      <dsp:spPr>
-        <a:xfrm>
-          <a:off x="3235498" y="2376183"/>
-          <a:ext cx="2750625" cy="597326"/>
-        </a:xfrm>
-        <a:prstGeom prst="rect">
-          <a:avLst/>
-        </a:prstGeom>
-        <a:noFill/>
-        <a:ln>
-          <a:noFill/>
-        </a:ln>
-        <a:effectLst/>
-      </dsp:spPr>
-      <dsp:style>
-        <a:lnRef idx="0">
-          <a:scrgbClr r="0" g="0" b="0"/>
-        </a:lnRef>
-        <a:fillRef idx="0">
-          <a:scrgbClr r="0" g="0" b="0"/>
-        </a:fillRef>
-        <a:effectRef idx="0">
-          <a:scrgbClr r="0" g="0" b="0"/>
-        </a:effectRef>
-        <a:fontRef idx="minor"/>
-      </dsp:style>
-      <dsp:txBody>
-        <a:bodyPr spcFirstLastPara="0" vert="horz" wrap="square" lIns="0" tIns="0" rIns="0" bIns="0" numCol="1" spcCol="1270" anchor="t" anchorCtr="0">
-          <a:noAutofit/>
-        </a:bodyPr>
-        <a:lstStyle/>
         <a:p>
-          <a:pPr marL="0" lvl="0" indent="0" algn="ctr" defTabSz="488950">
+          <a:pPr marL="0" lvl="0" indent="0" algn="ctr" defTabSz="622300">
             <a:lnSpc>
               <a:spcPct val="100000"/>
             </a:lnSpc>
@@ -1574,13 +1593,13 @@
             <a:buNone/>
           </a:pPr>
           <a:r>
-            <a:rPr lang="pt-PT" sz="1100" kern="1200"/>
-            <a:t>André Sousa: 33%</a:t>
+            <a:rPr lang="pt-PT" sz="1400" kern="1200" dirty="0"/>
+            <a:t>João Félix: 33%</a:t>
           </a:r>
-          <a:endParaRPr lang="en-US" sz="1100" kern="1200"/>
+          <a:endParaRPr lang="en-US" sz="1400" kern="1200" dirty="0"/>
         </a:p>
         <a:p>
-          <a:pPr marL="0" lvl="0" indent="0" algn="ctr" defTabSz="488950">
+          <a:pPr marL="0" lvl="0" indent="0" algn="ctr" defTabSz="622300">
             <a:lnSpc>
               <a:spcPct val="100000"/>
             </a:lnSpc>
@@ -1593,34 +1612,15 @@
             <a:buNone/>
           </a:pPr>
           <a:r>
-            <a:rPr lang="pt-PT" sz="1100" kern="1200"/>
-            <a:t>João Félix: 33%</a:t>
-          </a:r>
-          <a:endParaRPr lang="en-US" sz="1100" kern="1200"/>
-        </a:p>
-        <a:p>
-          <a:pPr marL="0" lvl="0" indent="0" algn="ctr" defTabSz="488950">
-            <a:lnSpc>
-              <a:spcPct val="100000"/>
-            </a:lnSpc>
-            <a:spcBef>
-              <a:spcPct val="0"/>
-            </a:spcBef>
-            <a:spcAft>
-              <a:spcPct val="35000"/>
-            </a:spcAft>
-            <a:buNone/>
-          </a:pPr>
-          <a:r>
-            <a:rPr lang="pt-PT" sz="1100" kern="1200"/>
+            <a:rPr lang="pt-PT" sz="1400" kern="1200" dirty="0"/>
             <a:t>Pedro Fonseca: 33%</a:t>
           </a:r>
-          <a:endParaRPr lang="en-US" sz="1100" kern="1200"/>
+          <a:endParaRPr lang="en-US" sz="1400" kern="1200" dirty="0"/>
         </a:p>
       </dsp:txBody>
       <dsp:txXfrm>
-        <a:off x="3235498" y="2376183"/>
-        <a:ext cx="2750625" cy="597326"/>
+        <a:off x="3235498" y="2330371"/>
+        <a:ext cx="2750625" cy="754564"/>
       </dsp:txXfrm>
     </dsp:sp>
   </dsp:spTree>
@@ -9884,7 +9884,7 @@
             <p:ph idx="1"/>
             <p:extLst>
               <p:ext uri="{D42A27DB-BD31-4B8C-83A1-F6EECF244321}">
-                <p14:modId xmlns:p14="http://schemas.microsoft.com/office/powerpoint/2010/main" val="2185857950"/>
+                <p14:modId xmlns:p14="http://schemas.microsoft.com/office/powerpoint/2010/main" val="1934447707"/>
               </p:ext>
             </p:extLst>
           </p:nvPr>
@@ -12456,7 +12456,7 @@
         <p:spPr>
           <a:xfrm>
             <a:off x="1295401" y="4572002"/>
-            <a:ext cx="9372599" cy="1477328"/>
+            <a:ext cx="9372599" cy="1661993"/>
           </a:xfrm>
           <a:prstGeom prst="rect">
             <a:avLst/>
@@ -12473,7 +12473,7 @@
               <a:buNone/>
             </a:pPr>
             <a:r>
-              <a:rPr lang="pt-PT" b="1" dirty="0">
+              <a:rPr lang="pt-PT" sz="2400" b="1" dirty="0">
                 <a:solidFill>
                   <a:srgbClr val="FFFFFF"/>
                 </a:solidFill>
@@ -12487,11 +12487,7 @@
               <a:buChar char="•"/>
             </a:pPr>
             <a:r>
-              <a:rPr lang="pt-PT" dirty="0">
-                <a:solidFill>
-                  <a:srgbClr val="FFFFFF"/>
-                </a:solidFill>
-              </a:rPr>
+              <a:rPr lang="pt-PT" sz="2000" dirty="0"/>
               <a:t>O nosso algoritmo permite ainda:</a:t>
             </a:r>
           </a:p>
@@ -12501,11 +12497,7 @@
               <a:buChar char="•"/>
             </a:pPr>
             <a:r>
-              <a:rPr lang="pt-PT" dirty="0">
-                <a:solidFill>
-                  <a:srgbClr val="FFFFFF"/>
-                </a:solidFill>
-              </a:rPr>
+              <a:rPr lang="pt-PT" sz="2000" dirty="0"/>
               <a:t>Escolher percursos noturnos ou diurnos</a:t>
             </a:r>
           </a:p>
@@ -12515,11 +12507,7 @@
               <a:buChar char="•"/>
             </a:pPr>
             <a:r>
-              <a:rPr lang="pt-PT" dirty="0">
-                <a:solidFill>
-                  <a:srgbClr val="FFFFFF"/>
-                </a:solidFill>
-              </a:rPr>
+              <a:rPr lang="pt-PT" sz="2000" dirty="0"/>
               <a:t>Escolher não passar por certas paragens e não usar certas linhas</a:t>
             </a:r>
           </a:p>
@@ -12609,7 +12597,7 @@
         <p:spPr/>
         <p:txBody>
           <a:bodyPr>
-            <a:normAutofit fontScale="92500" lnSpcReduction="10000"/>
+            <a:normAutofit fontScale="92500" lnSpcReduction="20000"/>
           </a:bodyPr>
           <a:lstStyle/>
           <a:p>
@@ -12700,6 +12688,86 @@
             <a:r>
               <a:rPr lang="en-GB" dirty="0"/>
               <a:t> </a:t>
+            </a:r>
+            <a:r>
+              <a:rPr lang="en-GB" dirty="0" err="1"/>
+              <a:t>escolhe</a:t>
+            </a:r>
+            <a:r>
+              <a:rPr lang="en-GB" dirty="0"/>
+              <a:t> se </a:t>
+            </a:r>
+            <a:r>
+              <a:rPr lang="en-GB" dirty="0" err="1"/>
+              <a:t>quer</a:t>
+            </a:r>
+            <a:r>
+              <a:rPr lang="en-GB" dirty="0"/>
+              <a:t> </a:t>
+            </a:r>
+            <a:r>
+              <a:rPr lang="en-GB" dirty="0" err="1"/>
+              <a:t>viagens</a:t>
+            </a:r>
+            <a:r>
+              <a:rPr lang="en-GB" dirty="0"/>
+              <a:t> </a:t>
+            </a:r>
+            <a:r>
+              <a:rPr lang="en-GB" dirty="0" err="1"/>
+              <a:t>noturnas</a:t>
+            </a:r>
+            <a:r>
+              <a:rPr lang="en-GB" dirty="0"/>
+              <a:t> </a:t>
+            </a:r>
+            <a:r>
+              <a:rPr lang="en-GB" dirty="0" err="1"/>
+              <a:t>ou</a:t>
+            </a:r>
+            <a:r>
+              <a:rPr lang="en-GB" dirty="0"/>
+              <a:t> </a:t>
+            </a:r>
+            <a:r>
+              <a:rPr lang="en-GB" dirty="0" err="1"/>
+              <a:t>diurnas</a:t>
+            </a:r>
+            <a:r>
+              <a:rPr lang="en-GB" dirty="0"/>
+              <a:t>, as </a:t>
+            </a:r>
+            <a:r>
+              <a:rPr lang="en-GB" dirty="0" err="1"/>
+              <a:t>paragens</a:t>
+            </a:r>
+            <a:r>
+              <a:rPr lang="en-GB" dirty="0"/>
+              <a:t> e </a:t>
+            </a:r>
+            <a:r>
+              <a:rPr lang="en-GB" dirty="0" err="1"/>
+              <a:t>linhas</a:t>
+            </a:r>
+            <a:r>
+              <a:rPr lang="en-GB" dirty="0"/>
+              <a:t> que </a:t>
+            </a:r>
+            <a:r>
+              <a:rPr lang="en-GB" dirty="0" err="1"/>
+              <a:t>quer</a:t>
+            </a:r>
+            <a:r>
+              <a:rPr lang="en-GB" dirty="0"/>
+              <a:t> </a:t>
+            </a:r>
+            <a:r>
+              <a:rPr lang="en-GB" dirty="0" err="1"/>
+              <a:t>evitar</a:t>
+            </a:r>
+            <a:r>
+              <a:rPr lang="en-GB" dirty="0"/>
+              <a:t> e </a:t>
             </a:r>
             <a:r>
               <a:rPr lang="en-GB" dirty="0" err="1"/>

--- a/Projeto2AED.pptx
+++ b/Projeto2AED.pptx
@@ -897,7 +897,7 @@
           </a:pPr>
           <a:r>
             <a:rPr lang="pt-PT" sz="1600" dirty="0"/>
-            <a:t>Criação de um interface intuitivo e fácil de usar</a:t>
+            <a:t>Criação de um interface que seja amigo do utilizador e fácil de usar</a:t>
           </a:r>
           <a:endParaRPr lang="en-US" sz="1600" dirty="0"/>
         </a:p>
@@ -1263,7 +1263,7 @@
       </dsp:nvSpPr>
       <dsp:spPr>
         <a:xfrm>
-          <a:off x="897466" y="756813"/>
+          <a:off x="897466" y="632677"/>
           <a:ext cx="962718" cy="962718"/>
         </a:xfrm>
         <a:prstGeom prst="rect">
@@ -1319,8 +1319,8 @@
       </dsp:nvSpPr>
       <dsp:spPr>
         <a:xfrm>
-          <a:off x="3513" y="1819641"/>
-          <a:ext cx="2750625" cy="464167"/>
+          <a:off x="3513" y="1706181"/>
+          <a:ext cx="2750625" cy="696251"/>
         </a:xfrm>
         <a:prstGeom prst="rect">
           <a:avLst/>
@@ -1364,14 +1364,14 @@
           </a:pPr>
           <a:r>
             <a:rPr lang="pt-PT" sz="1600" kern="1200" dirty="0"/>
-            <a:t>Criação de um interface intuitivo e fácil de usar</a:t>
+            <a:t>Criação de um interface que seja amigo do utilizador e fácil de usar</a:t>
           </a:r>
           <a:endParaRPr lang="en-US" sz="1600" kern="1200" dirty="0"/>
         </a:p>
       </dsp:txBody>
       <dsp:txXfrm>
-        <a:off x="3513" y="1819641"/>
-        <a:ext cx="2750625" cy="464167"/>
+        <a:off x="3513" y="1706181"/>
+        <a:ext cx="2750625" cy="696251"/>
       </dsp:txXfrm>
     </dsp:sp>
     <dsp:sp modelId="{64971207-B790-45DA-B099-07E7575CF093}">
@@ -1381,8 +1381,8 @@
       </dsp:nvSpPr>
       <dsp:spPr>
         <a:xfrm>
-          <a:off x="3513" y="2330371"/>
-          <a:ext cx="2750625" cy="754564"/>
+          <a:off x="3513" y="2453961"/>
+          <a:ext cx="2750625" cy="755110"/>
         </a:xfrm>
         <a:prstGeom prst="rect">
           <a:avLst/>
@@ -1413,7 +1413,7 @@
       </dsp:nvSpPr>
       <dsp:spPr>
         <a:xfrm>
-          <a:off x="4129451" y="756813"/>
+          <a:off x="4129451" y="632677"/>
           <a:ext cx="962718" cy="962718"/>
         </a:xfrm>
         <a:prstGeom prst="rect">
@@ -1469,8 +1469,8 @@
       </dsp:nvSpPr>
       <dsp:spPr>
         <a:xfrm>
-          <a:off x="3235498" y="1819641"/>
-          <a:ext cx="2750625" cy="464167"/>
+          <a:off x="3235498" y="1706181"/>
+          <a:ext cx="2750625" cy="696251"/>
         </a:xfrm>
         <a:prstGeom prst="rect">
           <a:avLst/>
@@ -1520,8 +1520,8 @@
         </a:p>
       </dsp:txBody>
       <dsp:txXfrm>
-        <a:off x="3235498" y="1819641"/>
-        <a:ext cx="2750625" cy="464167"/>
+        <a:off x="3235498" y="1706181"/>
+        <a:ext cx="2750625" cy="696251"/>
       </dsp:txXfrm>
     </dsp:sp>
     <dsp:sp modelId="{B3935C72-62EE-4E6C-A164-DE45FD096FF1}">
@@ -1531,8 +1531,8 @@
       </dsp:nvSpPr>
       <dsp:spPr>
         <a:xfrm>
-          <a:off x="3235498" y="2330371"/>
-          <a:ext cx="2750625" cy="754564"/>
+          <a:off x="3235498" y="2453961"/>
+          <a:ext cx="2750625" cy="755110"/>
         </a:xfrm>
         <a:prstGeom prst="rect">
           <a:avLst/>
@@ -1619,8 +1619,8 @@
         </a:p>
       </dsp:txBody>
       <dsp:txXfrm>
-        <a:off x="3235498" y="2330371"/>
-        <a:ext cx="2750625" cy="754564"/>
+        <a:off x="3235498" y="2453961"/>
+        <a:ext cx="2750625" cy="755110"/>
       </dsp:txXfrm>
     </dsp:sp>
   </dsp:spTree>
@@ -3193,7 +3193,7 @@
           <a:p>
             <a:fld id="{4A0C7E82-D0C3-2C47-BB06-5E425D75F4B0}" type="datetimeFigureOut">
               <a:rPr lang="pt-PT" smtClean="0"/>
-              <a:t>29/01/2022</a:t>
+              <a:t>30/01/2022</a:t>
             </a:fld>
             <a:endParaRPr lang="pt-PT"/>
           </a:p>
@@ -3517,7 +3517,7 @@
           <a:p>
             <a:fld id="{4A0C7E82-D0C3-2C47-BB06-5E425D75F4B0}" type="datetimeFigureOut">
               <a:rPr lang="pt-PT" smtClean="0"/>
-              <a:t>29/01/2022</a:t>
+              <a:t>30/01/2022</a:t>
             </a:fld>
             <a:endParaRPr lang="pt-PT"/>
           </a:p>
@@ -3765,7 +3765,7 @@
           <a:p>
             <a:fld id="{4A0C7E82-D0C3-2C47-BB06-5E425D75F4B0}" type="datetimeFigureOut">
               <a:rPr lang="pt-PT" smtClean="0"/>
-              <a:t>29/01/2022</a:t>
+              <a:t>30/01/2022</a:t>
             </a:fld>
             <a:endParaRPr lang="pt-PT"/>
           </a:p>
@@ -4104,7 +4104,7 @@
           <a:p>
             <a:fld id="{4A0C7E82-D0C3-2C47-BB06-5E425D75F4B0}" type="datetimeFigureOut">
               <a:rPr lang="pt-PT" smtClean="0"/>
-              <a:t>29/01/2022</a:t>
+              <a:t>30/01/2022</a:t>
             </a:fld>
             <a:endParaRPr lang="pt-PT"/>
           </a:p>
@@ -4451,7 +4451,7 @@
           <a:p>
             <a:fld id="{4A0C7E82-D0C3-2C47-BB06-5E425D75F4B0}" type="datetimeFigureOut">
               <a:rPr lang="pt-PT" smtClean="0"/>
-              <a:t>29/01/2022</a:t>
+              <a:t>30/01/2022</a:t>
             </a:fld>
             <a:endParaRPr lang="pt-PT"/>
           </a:p>
@@ -4825,7 +4825,7 @@
           <a:p>
             <a:fld id="{4A0C7E82-D0C3-2C47-BB06-5E425D75F4B0}" type="datetimeFigureOut">
               <a:rPr lang="pt-PT" smtClean="0"/>
-              <a:t>29/01/2022</a:t>
+              <a:t>30/01/2022</a:t>
             </a:fld>
             <a:endParaRPr lang="pt-PT"/>
           </a:p>
@@ -5295,7 +5295,7 @@
           <a:p>
             <a:fld id="{4A0C7E82-D0C3-2C47-BB06-5E425D75F4B0}" type="datetimeFigureOut">
               <a:rPr lang="pt-PT" smtClean="0"/>
-              <a:t>29/01/2022</a:t>
+              <a:t>30/01/2022</a:t>
             </a:fld>
             <a:endParaRPr lang="pt-PT"/>
           </a:p>
@@ -5500,7 +5500,7 @@
           <a:p>
             <a:fld id="{4A0C7E82-D0C3-2C47-BB06-5E425D75F4B0}" type="datetimeFigureOut">
               <a:rPr lang="pt-PT" smtClean="0"/>
-              <a:t>29/01/2022</a:t>
+              <a:t>30/01/2022</a:t>
             </a:fld>
             <a:endParaRPr lang="pt-PT"/>
           </a:p>
@@ -5711,7 +5711,7 @@
           <a:p>
             <a:fld id="{4A0C7E82-D0C3-2C47-BB06-5E425D75F4B0}" type="datetimeFigureOut">
               <a:rPr lang="pt-PT" smtClean="0"/>
-              <a:t>29/01/2022</a:t>
+              <a:t>30/01/2022</a:t>
             </a:fld>
             <a:endParaRPr lang="pt-PT"/>
           </a:p>
@@ -5943,7 +5943,7 @@
           <a:p>
             <a:fld id="{4A0C7E82-D0C3-2C47-BB06-5E425D75F4B0}" type="datetimeFigureOut">
               <a:rPr lang="pt-PT" smtClean="0"/>
-              <a:t>29/01/2022</a:t>
+              <a:t>30/01/2022</a:t>
             </a:fld>
             <a:endParaRPr lang="pt-PT"/>
           </a:p>
@@ -6191,7 +6191,7 @@
           <a:p>
             <a:fld id="{4A0C7E82-D0C3-2C47-BB06-5E425D75F4B0}" type="datetimeFigureOut">
               <a:rPr lang="pt-PT" smtClean="0"/>
-              <a:t>29/01/2022</a:t>
+              <a:t>30/01/2022</a:t>
             </a:fld>
             <a:endParaRPr lang="pt-PT"/>
           </a:p>
@@ -6458,7 +6458,7 @@
           <a:p>
             <a:fld id="{4A0C7E82-D0C3-2C47-BB06-5E425D75F4B0}" type="datetimeFigureOut">
               <a:rPr lang="pt-PT" smtClean="0"/>
-              <a:t>29/01/2022</a:t>
+              <a:t>30/01/2022</a:t>
             </a:fld>
             <a:endParaRPr lang="pt-PT"/>
           </a:p>
@@ -6871,7 +6871,7 @@
           <a:p>
             <a:fld id="{4A0C7E82-D0C3-2C47-BB06-5E425D75F4B0}" type="datetimeFigureOut">
               <a:rPr lang="pt-PT" smtClean="0"/>
-              <a:t>29/01/2022</a:t>
+              <a:t>30/01/2022</a:t>
             </a:fld>
             <a:endParaRPr lang="pt-PT"/>
           </a:p>
@@ -7020,7 +7020,7 @@
           <a:p>
             <a:fld id="{4A0C7E82-D0C3-2C47-BB06-5E425D75F4B0}" type="datetimeFigureOut">
               <a:rPr lang="pt-PT" smtClean="0"/>
-              <a:t>29/01/2022</a:t>
+              <a:t>30/01/2022</a:t>
             </a:fld>
             <a:endParaRPr lang="pt-PT"/>
           </a:p>
@@ -7146,7 +7146,7 @@
           <a:p>
             <a:fld id="{4A0C7E82-D0C3-2C47-BB06-5E425D75F4B0}" type="datetimeFigureOut">
               <a:rPr lang="pt-PT" smtClean="0"/>
-              <a:t>29/01/2022</a:t>
+              <a:t>30/01/2022</a:t>
             </a:fld>
             <a:endParaRPr lang="pt-PT"/>
           </a:p>
@@ -7401,7 +7401,7 @@
           <a:p>
             <a:fld id="{4A0C7E82-D0C3-2C47-BB06-5E425D75F4B0}" type="datetimeFigureOut">
               <a:rPr lang="pt-PT" smtClean="0"/>
-              <a:t>29/01/2022</a:t>
+              <a:t>30/01/2022</a:t>
             </a:fld>
             <a:endParaRPr lang="pt-PT"/>
           </a:p>
@@ -7716,7 +7716,7 @@
           <a:p>
             <a:fld id="{4A0C7E82-D0C3-2C47-BB06-5E425D75F4B0}" type="datetimeFigureOut">
               <a:rPr lang="pt-PT" smtClean="0"/>
-              <a:t>29/01/2022</a:t>
+              <a:t>30/01/2022</a:t>
             </a:fld>
             <a:endParaRPr lang="pt-PT"/>
           </a:p>
@@ -8067,7 +8067,7 @@
           <a:p>
             <a:fld id="{4A0C7E82-D0C3-2C47-BB06-5E425D75F4B0}" type="datetimeFigureOut">
               <a:rPr lang="pt-PT" smtClean="0"/>
-              <a:t>29/01/2022</a:t>
+              <a:t>30/01/2022</a:t>
             </a:fld>
             <a:endParaRPr lang="pt-PT"/>
           </a:p>
@@ -9884,7 +9884,7 @@
             <p:ph idx="1"/>
             <p:extLst>
               <p:ext uri="{D42A27DB-BD31-4B8C-83A1-F6EECF244321}">
-                <p14:modId xmlns:p14="http://schemas.microsoft.com/office/powerpoint/2010/main" val="1934447707"/>
+                <p14:modId xmlns:p14="http://schemas.microsoft.com/office/powerpoint/2010/main" val="1036542569"/>
               </p:ext>
             </p:extLst>
           </p:nvPr>
@@ -10360,7 +10360,7 @@
         <p:spPr>
           <a:xfrm>
             <a:off x="4907279" y="1508759"/>
-            <a:ext cx="5989317" cy="4158709"/>
+            <a:ext cx="6075248" cy="4357020"/>
           </a:xfrm>
         </p:spPr>
         <p:txBody>
@@ -10533,7 +10533,7 @@
                   <a:schemeClr val="tx1"/>
                 </a:solidFill>
               </a:rPr>
-              <a:t>De acordo com o input do utilizador, o programa seleciona apenas as linhas noturnas ou diurnas</a:t>
+              <a:t>De acordo com o input do utilizador, o programa seleciona apenas as linhas noturnas ou diurnas. Para além disso, também ignora as paragens e linhas que o utilizador pretende não usar</a:t>
             </a:r>
           </a:p>
           <a:p>
@@ -11097,12 +11097,12 @@
         </p:nvSpPr>
         <p:spPr>
           <a:xfrm>
-            <a:off x="4759862" y="2495964"/>
-            <a:ext cx="6260114" cy="3318936"/>
+            <a:off x="4552545" y="2400639"/>
+            <a:ext cx="6467431" cy="3696623"/>
           </a:xfrm>
         </p:spPr>
         <p:txBody>
-          <a:bodyPr>
+          <a:bodyPr numCol="2">
             <a:noAutofit/>
           </a:bodyPr>
           <a:lstStyle/>
@@ -11113,15 +11113,15 @@
               </a:lnSpc>
             </a:pPr>
             <a:r>
-              <a:rPr lang="pt-PT" sz="900" dirty="0"/>
+              <a:rPr lang="pt-PT" sz="1200" dirty="0"/>
               <a:t>É usada a classe </a:t>
             </a:r>
             <a:r>
-              <a:rPr lang="pt-PT" sz="900" dirty="0" err="1"/>
+              <a:rPr lang="pt-PT" sz="1200" dirty="0" err="1"/>
               <a:t>Graph</a:t>
             </a:r>
             <a:r>
-              <a:rPr lang="pt-PT" sz="900" dirty="0"/>
+              <a:rPr lang="pt-PT" sz="1200" dirty="0"/>
               <a:t> fornecida</a:t>
             </a:r>
           </a:p>
@@ -11132,7 +11132,7 @@
               </a:lnSpc>
             </a:pPr>
             <a:r>
-              <a:rPr lang="pt-PT" sz="900" b="1" dirty="0"/>
+              <a:rPr lang="pt-PT" sz="1200" b="1" dirty="0"/>
               <a:t>Atributos:</a:t>
             </a:r>
           </a:p>
@@ -11143,7 +11143,7 @@
               </a:lnSpc>
             </a:pPr>
             <a:r>
-              <a:rPr lang="pt-PT" sz="900" dirty="0"/>
+              <a:rPr lang="pt-PT" sz="1200" dirty="0"/>
               <a:t>n – tamanho do grafo</a:t>
             </a:r>
           </a:p>
@@ -11154,11 +11154,11 @@
               </a:lnSpc>
             </a:pPr>
             <a:r>
-              <a:rPr lang="pt-PT" sz="900" dirty="0" err="1"/>
+              <a:rPr lang="pt-PT" sz="1200" dirty="0" err="1"/>
               <a:t>hasDir</a:t>
             </a:r>
             <a:r>
-              <a:rPr lang="pt-PT" sz="900" dirty="0"/>
+              <a:rPr lang="pt-PT" sz="1200" dirty="0"/>
               <a:t> – booleano de direção</a:t>
             </a:r>
           </a:p>
@@ -11169,14 +11169,14 @@
               </a:lnSpc>
             </a:pPr>
             <a:r>
-              <a:rPr lang="pt-PT" sz="900" dirty="0"/>
+              <a:rPr lang="pt-PT" sz="1200" dirty="0"/>
               <a:t>nodes – vetor que guarda Node </a:t>
             </a:r>
             <a:r>
-              <a:rPr lang="pt-PT" sz="900" dirty="0" err="1"/>
+              <a:rPr lang="pt-PT" sz="1200" dirty="0" err="1"/>
               <a:t>structs</a:t>
             </a:r>
-            <a:endParaRPr lang="pt-PT" sz="900" dirty="0"/>
+            <a:endParaRPr lang="pt-PT" sz="1200" dirty="0"/>
           </a:p>
           <a:p>
             <a:pPr lvl="1">
@@ -11185,15 +11185,30 @@
               </a:lnSpc>
             </a:pPr>
             <a:r>
-              <a:rPr lang="pt-PT" sz="900" b="1" dirty="0"/>
+              <a:rPr lang="pt-PT" sz="1200" dirty="0" err="1"/>
+              <a:t>forbiddenLines</a:t>
+            </a:r>
+            <a:r>
+              <a:rPr lang="pt-PT" sz="1200" dirty="0"/>
+              <a:t>: lista com os códigos das linhas que devem ser ignoradas</a:t>
+            </a:r>
+          </a:p>
+          <a:p>
+            <a:pPr lvl="1">
+              <a:lnSpc>
+                <a:spcPct val="90000"/>
+              </a:lnSpc>
+            </a:pPr>
+            <a:r>
+              <a:rPr lang="pt-PT" sz="1200" b="1" dirty="0"/>
               <a:t>Node </a:t>
             </a:r>
             <a:r>
-              <a:rPr lang="pt-PT" sz="900" b="1" dirty="0" err="1"/>
+              <a:rPr lang="pt-PT" sz="1200" b="1" dirty="0" err="1"/>
               <a:t>Struct</a:t>
             </a:r>
             <a:r>
-              <a:rPr lang="pt-PT" sz="900" b="1" dirty="0"/>
+              <a:rPr lang="pt-PT" sz="1200" b="1" dirty="0"/>
               <a:t>:</a:t>
             </a:r>
           </a:p>
@@ -11204,11 +11219,11 @@
               </a:lnSpc>
             </a:pPr>
             <a:r>
-              <a:rPr lang="pt-PT" sz="900" dirty="0" err="1"/>
+              <a:rPr lang="pt-PT" sz="1200" dirty="0" err="1"/>
               <a:t>visited</a:t>
             </a:r>
             <a:r>
-              <a:rPr lang="pt-PT" sz="900" dirty="0"/>
+              <a:rPr lang="pt-PT" sz="1200" dirty="0"/>
               <a:t> – booleano que define se já foi visitado</a:t>
             </a:r>
           </a:p>
@@ -11219,12 +11234,20 @@
               </a:lnSpc>
             </a:pPr>
             <a:r>
-              <a:rPr lang="pt-PT" sz="900" dirty="0" err="1"/>
+              <a:rPr lang="pt-PT" sz="1200" dirty="0" err="1"/>
               <a:t>dist</a:t>
             </a:r>
             <a:r>
-              <a:rPr lang="pt-PT" sz="900" dirty="0"/>
-              <a:t> – inteiro, estimativa da distância</a:t>
+              <a:rPr lang="pt-PT" sz="1200" dirty="0"/>
+              <a:t> – </a:t>
+            </a:r>
+            <a:r>
+              <a:rPr lang="pt-PT" sz="1200" dirty="0" err="1"/>
+              <a:t>double</a:t>
+            </a:r>
+            <a:r>
+              <a:rPr lang="pt-PT" sz="1200" dirty="0"/>
+              <a:t>, estimativa da distância</a:t>
             </a:r>
           </a:p>
           <a:p>
@@ -11234,12 +11257,12 @@
               </a:lnSpc>
             </a:pPr>
             <a:r>
-              <a:rPr lang="pt-PT" sz="900" dirty="0" err="1"/>
+              <a:rPr lang="pt-PT" sz="1200" dirty="0" err="1"/>
               <a:t>pred</a:t>
             </a:r>
             <a:r>
-              <a:rPr lang="pt-PT" sz="900" dirty="0"/>
-              <a:t> – node anterior se existir</a:t>
+              <a:rPr lang="pt-PT" sz="1200" dirty="0"/>
+              <a:t> – nó anterior, se existir</a:t>
             </a:r>
           </a:p>
           <a:p>
@@ -11249,34 +11272,46 @@
               </a:lnSpc>
             </a:pPr>
             <a:r>
-              <a:rPr lang="pt-PT" sz="900" dirty="0" err="1"/>
+              <a:rPr lang="pt-PT" sz="1200" dirty="0" err="1"/>
               <a:t>adj</a:t>
             </a:r>
             <a:r>
-              <a:rPr lang="pt-PT" sz="900" dirty="0"/>
+              <a:rPr lang="pt-PT" sz="1200" dirty="0"/>
               <a:t> – </a:t>
             </a:r>
             <a:r>
-              <a:rPr lang="pt-PT" sz="900" dirty="0" err="1"/>
+              <a:rPr lang="pt-PT" sz="1200" dirty="0" err="1"/>
               <a:t>list</a:t>
             </a:r>
             <a:r>
-              <a:rPr lang="pt-PT" sz="900" dirty="0"/>
-              <a:t> de </a:t>
-            </a:r>
-            <a:r>
-              <a:rPr lang="pt-PT" sz="900" dirty="0" err="1"/>
+              <a:rPr lang="pt-PT" sz="1200" dirty="0"/>
+              <a:t> das arestas que “saem” do nó</a:t>
+            </a:r>
+            <a:endParaRPr lang="pt-PT" sz="1200" b="1" dirty="0"/>
+          </a:p>
+          <a:p>
+            <a:pPr marL="914400" lvl="2" indent="0">
+              <a:lnSpc>
+                <a:spcPct val="90000"/>
+              </a:lnSpc>
+              <a:buNone/>
+            </a:pPr>
+            <a:r>
+              <a:rPr lang="pt-PT" sz="1200" b="1" dirty="0" err="1"/>
               <a:t>Edge</a:t>
             </a:r>
             <a:r>
-              <a:rPr lang="pt-PT" sz="900" dirty="0"/>
+              <a:rPr lang="pt-PT" sz="1200" b="1" dirty="0"/>
               <a:t> </a:t>
             </a:r>
             <a:r>
-              <a:rPr lang="pt-PT" sz="900" dirty="0" err="1"/>
-              <a:t>structs</a:t>
-            </a:r>
-            <a:endParaRPr lang="pt-PT" sz="900" dirty="0"/>
+              <a:rPr lang="pt-PT" sz="1200" b="1" dirty="0" err="1"/>
+              <a:t>Struct</a:t>
+            </a:r>
+            <a:r>
+              <a:rPr lang="pt-PT" sz="1200" b="1" dirty="0"/>
+              <a:t>:</a:t>
+            </a:r>
           </a:p>
           <a:p>
             <a:pPr lvl="2">
@@ -11285,104 +11320,90 @@
               </a:lnSpc>
             </a:pPr>
             <a:r>
-              <a:rPr lang="pt-PT" sz="900" b="1" dirty="0" err="1"/>
-              <a:t>Edge</a:t>
-            </a:r>
-            <a:r>
-              <a:rPr lang="pt-PT" sz="900" b="1" dirty="0"/>
-              <a:t> </a:t>
-            </a:r>
-            <a:r>
-              <a:rPr lang="pt-PT" sz="900" b="1" dirty="0" err="1"/>
-              <a:t>Struct</a:t>
-            </a:r>
-            <a:r>
-              <a:rPr lang="pt-PT" sz="900" b="1" dirty="0"/>
-              <a:t>:</a:t>
-            </a:r>
-          </a:p>
-          <a:p>
-            <a:pPr lvl="3">
+              <a:rPr lang="pt-PT" sz="1200" dirty="0" err="1"/>
+              <a:t>dest</a:t>
+            </a:r>
+            <a:r>
+              <a:rPr lang="pt-PT" sz="1200" dirty="0"/>
+              <a:t> – node destino</a:t>
+            </a:r>
+          </a:p>
+          <a:p>
+            <a:pPr lvl="2">
               <a:lnSpc>
                 <a:spcPct val="90000"/>
               </a:lnSpc>
             </a:pPr>
             <a:r>
-              <a:rPr lang="pt-PT" sz="900" dirty="0" err="1"/>
-              <a:t>dest</a:t>
-            </a:r>
-            <a:r>
-              <a:rPr lang="pt-PT" sz="900" dirty="0"/>
-              <a:t> – node destino</a:t>
-            </a:r>
-          </a:p>
-          <a:p>
-            <a:pPr lvl="3">
+              <a:rPr lang="pt-PT" sz="1200" dirty="0" err="1"/>
+              <a:t>zoneChanges</a:t>
+            </a:r>
+            <a:r>
+              <a:rPr lang="pt-PT" sz="1200" dirty="0"/>
+              <a:t> – indicativo de mudança de zona</a:t>
+            </a:r>
+          </a:p>
+          <a:p>
+            <a:pPr lvl="2">
               <a:lnSpc>
                 <a:spcPct val="90000"/>
               </a:lnSpc>
             </a:pPr>
             <a:r>
-              <a:rPr lang="pt-PT" sz="900" dirty="0" err="1"/>
-              <a:t>zoneChanges</a:t>
-            </a:r>
-            <a:r>
-              <a:rPr lang="pt-PT" sz="900" dirty="0"/>
-              <a:t> – indicativo de mudança de zona</a:t>
-            </a:r>
-          </a:p>
-          <a:p>
-            <a:pPr lvl="3">
+              <a:rPr lang="pt-PT" sz="1200" dirty="0" err="1"/>
+              <a:t>line</a:t>
+            </a:r>
+            <a:r>
+              <a:rPr lang="pt-PT" sz="1200" dirty="0"/>
+              <a:t> – nome da linha</a:t>
+            </a:r>
+          </a:p>
+          <a:p>
+            <a:pPr lvl="2">
               <a:lnSpc>
                 <a:spcPct val="90000"/>
               </a:lnSpc>
             </a:pPr>
             <a:r>
-              <a:rPr lang="pt-PT" sz="900" dirty="0" err="1"/>
-              <a:t>line</a:t>
-            </a:r>
-            <a:r>
-              <a:rPr lang="pt-PT" sz="900" dirty="0"/>
-              <a:t> – nome da linha</a:t>
-            </a:r>
-          </a:p>
-          <a:p>
-            <a:pPr lvl="3">
+              <a:rPr lang="pt-PT" sz="1200" dirty="0" err="1"/>
+              <a:t>distanceRealWorld</a:t>
+            </a:r>
+            <a:r>
+              <a:rPr lang="pt-PT" sz="1200" dirty="0"/>
+              <a:t> – distância entre paragens</a:t>
+            </a:r>
+          </a:p>
+          <a:p>
+            <a:pPr lvl="2">
               <a:lnSpc>
                 <a:spcPct val="90000"/>
               </a:lnSpc>
             </a:pPr>
             <a:r>
-              <a:rPr lang="pt-PT" sz="900" dirty="0" err="1"/>
-              <a:t>distanceRealWorld</a:t>
-            </a:r>
-            <a:r>
-              <a:rPr lang="pt-PT" sz="900" dirty="0"/>
-              <a:t> – distância entre paragem</a:t>
-            </a:r>
-          </a:p>
-          <a:p>
-            <a:pPr lvl="3">
+              <a:rPr lang="pt-PT" sz="1200" dirty="0" err="1"/>
+              <a:t>onFoot</a:t>
+            </a:r>
+            <a:r>
+              <a:rPr lang="pt-PT" sz="1200" dirty="0"/>
+              <a:t> – </a:t>
+            </a:r>
+            <a:r>
+              <a:rPr lang="pt-PT" sz="1200" dirty="0" err="1"/>
+              <a:t>true</a:t>
+            </a:r>
+            <a:r>
+              <a:rPr lang="pt-PT" sz="1200" dirty="0"/>
+              <a:t> se caminhar a pé </a:t>
+            </a:r>
+          </a:p>
+          <a:p>
+            <a:pPr marL="914400" lvl="2" indent="0">
               <a:lnSpc>
                 <a:spcPct val="90000"/>
               </a:lnSpc>
+              <a:buNone/>
             </a:pPr>
-            <a:r>
-              <a:rPr lang="pt-PT" sz="900" dirty="0" err="1"/>
-              <a:t>onFoot</a:t>
-            </a:r>
-            <a:r>
-              <a:rPr lang="pt-PT" sz="900" dirty="0"/>
-              <a:t> – </a:t>
-            </a:r>
-            <a:r>
-              <a:rPr lang="pt-PT" sz="900" dirty="0" err="1"/>
-              <a:t>edge</a:t>
-            </a:r>
-            <a:r>
-              <a:rPr lang="pt-PT" sz="900" dirty="0"/>
-              <a:t> se caminhar a pé </a:t>
-            </a:r>
+            <a:endParaRPr lang="pt-PT" sz="900" dirty="0"/>
           </a:p>
         </p:txBody>
       </p:sp>
@@ -12597,7 +12618,7 @@
         <p:spPr/>
         <p:txBody>
           <a:bodyPr>
-            <a:normAutofit fontScale="92500" lnSpcReduction="20000"/>
+            <a:normAutofit fontScale="85000" lnSpcReduction="10000"/>
           </a:bodyPr>
           <a:lstStyle/>
           <a:p>
@@ -12772,6 +12793,42 @@
             <a:r>
               <a:rPr lang="en-GB" dirty="0" err="1"/>
               <a:t>escolhe</a:t>
+            </a:r>
+            <a:r>
+              <a:rPr lang="en-GB" dirty="0"/>
+              <a:t> se </a:t>
+            </a:r>
+            <a:r>
+              <a:rPr lang="en-GB" dirty="0" err="1"/>
+              <a:t>quer</a:t>
+            </a:r>
+            <a:r>
+              <a:rPr lang="en-GB" dirty="0"/>
+              <a:t> </a:t>
+            </a:r>
+            <a:r>
+              <a:rPr lang="en-GB" dirty="0" err="1"/>
+              <a:t>calcular</a:t>
+            </a:r>
+            <a:r>
+              <a:rPr lang="en-GB" dirty="0"/>
+              <a:t> a MST do </a:t>
+            </a:r>
+            <a:r>
+              <a:rPr lang="en-GB" dirty="0" err="1"/>
+              <a:t>grafo</a:t>
+            </a:r>
+            <a:r>
+              <a:rPr lang="en-GB" dirty="0"/>
+              <a:t>. De </a:t>
+            </a:r>
+            <a:r>
+              <a:rPr lang="en-GB" dirty="0" err="1"/>
+              <a:t>seguida</a:t>
+            </a:r>
+            <a:r>
+              <a:rPr lang="en-GB"/>
+              <a:t>, escolhe</a:t>
             </a:r>
             <a:r>
               <a:rPr lang="en-GB" dirty="0"/>
@@ -13461,17 +13518,49 @@
         </p:nvSpPr>
         <p:spPr>
           <a:xfrm>
-            <a:off x="1295401" y="2556932"/>
-            <a:ext cx="9601196" cy="3318936"/>
+            <a:off x="1295401" y="2033081"/>
+            <a:ext cx="9601196" cy="3842787"/>
           </a:xfrm>
         </p:spPr>
         <p:txBody>
           <a:bodyPr>
-            <a:normAutofit/>
+            <a:normAutofit fontScale="92500" lnSpcReduction="10000"/>
           </a:bodyPr>
           <a:lstStyle/>
           <a:p>
-            <a:endParaRPr lang="pt-PT" dirty="0"/>
+            <a:pPr marL="0" indent="0">
+              <a:buNone/>
+            </a:pPr>
+            <a:r>
+              <a:rPr lang="pt-PT" dirty="0"/>
+              <a:t>	Uma característica do nosso projeto, que achamos que vale a pena destacar, é o facto de termos toda a informação fornecida contida em 1 único grafo. Esta estratégia permitiu-nos simplificar os algoritmos utilizados, visto que para calcular as diferentes versões de “melhor percurso” só é preciso adicionar um atributo novo à aresta do grafo (na maior parte dos casos) e alterar ligeiramente a implementação do algoritmo de </a:t>
+            </a:r>
+            <a:r>
+              <a:rPr lang="pt-PT" dirty="0" err="1"/>
+              <a:t>Dijkstra</a:t>
+            </a:r>
+            <a:r>
+              <a:rPr lang="pt-PT" dirty="0"/>
+              <a:t>, de forma a usar o atributo recém inserido. </a:t>
+            </a:r>
+          </a:p>
+          <a:p>
+            <a:pPr marL="0" indent="0">
+              <a:buNone/>
+            </a:pPr>
+            <a:r>
+              <a:rPr lang="pt-PT" dirty="0"/>
+              <a:t>	Para além disso, estando a informação toda no mesmo sítio, o acesso a ela é extremamente simples e intuitivo.</a:t>
+            </a:r>
+          </a:p>
+          <a:p>
+            <a:pPr marL="0" indent="0">
+              <a:buNone/>
+            </a:pPr>
+            <a:r>
+              <a:rPr lang="pt-PT" dirty="0"/>
+              <a:t>	Por fim, ao usar vários grafos podíamos cometer o erro de começarmos a repetir informação desnecessariamente e a interação entre os mesmos seria bem mais complexa do que a complexidade obtida utilizando apenas 1 grafo.</a:t>
+            </a:r>
           </a:p>
         </p:txBody>
       </p:sp>

--- a/Projeto2AED.pptx
+++ b/Projeto2AED.pptx
@@ -3193,7 +3193,7 @@
           <a:p>
             <a:fld id="{4A0C7E82-D0C3-2C47-BB06-5E425D75F4B0}" type="datetimeFigureOut">
               <a:rPr lang="pt-PT" smtClean="0"/>
-              <a:t>30/01/2022</a:t>
+              <a:t>30/01/22</a:t>
             </a:fld>
             <a:endParaRPr lang="pt-PT"/>
           </a:p>
@@ -3517,7 +3517,7 @@
           <a:p>
             <a:fld id="{4A0C7E82-D0C3-2C47-BB06-5E425D75F4B0}" type="datetimeFigureOut">
               <a:rPr lang="pt-PT" smtClean="0"/>
-              <a:t>30/01/2022</a:t>
+              <a:t>30/01/22</a:t>
             </a:fld>
             <a:endParaRPr lang="pt-PT"/>
           </a:p>
@@ -3765,7 +3765,7 @@
           <a:p>
             <a:fld id="{4A0C7E82-D0C3-2C47-BB06-5E425D75F4B0}" type="datetimeFigureOut">
               <a:rPr lang="pt-PT" smtClean="0"/>
-              <a:t>30/01/2022</a:t>
+              <a:t>30/01/22</a:t>
             </a:fld>
             <a:endParaRPr lang="pt-PT"/>
           </a:p>
@@ -4104,7 +4104,7 @@
           <a:p>
             <a:fld id="{4A0C7E82-D0C3-2C47-BB06-5E425D75F4B0}" type="datetimeFigureOut">
               <a:rPr lang="pt-PT" smtClean="0"/>
-              <a:t>30/01/2022</a:t>
+              <a:t>30/01/22</a:t>
             </a:fld>
             <a:endParaRPr lang="pt-PT"/>
           </a:p>
@@ -4451,7 +4451,7 @@
           <a:p>
             <a:fld id="{4A0C7E82-D0C3-2C47-BB06-5E425D75F4B0}" type="datetimeFigureOut">
               <a:rPr lang="pt-PT" smtClean="0"/>
-              <a:t>30/01/2022</a:t>
+              <a:t>30/01/22</a:t>
             </a:fld>
             <a:endParaRPr lang="pt-PT"/>
           </a:p>
@@ -4825,7 +4825,7 @@
           <a:p>
             <a:fld id="{4A0C7E82-D0C3-2C47-BB06-5E425D75F4B0}" type="datetimeFigureOut">
               <a:rPr lang="pt-PT" smtClean="0"/>
-              <a:t>30/01/2022</a:t>
+              <a:t>30/01/22</a:t>
             </a:fld>
             <a:endParaRPr lang="pt-PT"/>
           </a:p>
@@ -5295,7 +5295,7 @@
           <a:p>
             <a:fld id="{4A0C7E82-D0C3-2C47-BB06-5E425D75F4B0}" type="datetimeFigureOut">
               <a:rPr lang="pt-PT" smtClean="0"/>
-              <a:t>30/01/2022</a:t>
+              <a:t>30/01/22</a:t>
             </a:fld>
             <a:endParaRPr lang="pt-PT"/>
           </a:p>
@@ -5500,7 +5500,7 @@
           <a:p>
             <a:fld id="{4A0C7E82-D0C3-2C47-BB06-5E425D75F4B0}" type="datetimeFigureOut">
               <a:rPr lang="pt-PT" smtClean="0"/>
-              <a:t>30/01/2022</a:t>
+              <a:t>30/01/22</a:t>
             </a:fld>
             <a:endParaRPr lang="pt-PT"/>
           </a:p>
@@ -5711,7 +5711,7 @@
           <a:p>
             <a:fld id="{4A0C7E82-D0C3-2C47-BB06-5E425D75F4B0}" type="datetimeFigureOut">
               <a:rPr lang="pt-PT" smtClean="0"/>
-              <a:t>30/01/2022</a:t>
+              <a:t>30/01/22</a:t>
             </a:fld>
             <a:endParaRPr lang="pt-PT"/>
           </a:p>
@@ -5943,7 +5943,7 @@
           <a:p>
             <a:fld id="{4A0C7E82-D0C3-2C47-BB06-5E425D75F4B0}" type="datetimeFigureOut">
               <a:rPr lang="pt-PT" smtClean="0"/>
-              <a:t>30/01/2022</a:t>
+              <a:t>30/01/22</a:t>
             </a:fld>
             <a:endParaRPr lang="pt-PT"/>
           </a:p>
@@ -6191,7 +6191,7 @@
           <a:p>
             <a:fld id="{4A0C7E82-D0C3-2C47-BB06-5E425D75F4B0}" type="datetimeFigureOut">
               <a:rPr lang="pt-PT" smtClean="0"/>
-              <a:t>30/01/2022</a:t>
+              <a:t>30/01/22</a:t>
             </a:fld>
             <a:endParaRPr lang="pt-PT"/>
           </a:p>
@@ -6458,7 +6458,7 @@
           <a:p>
             <a:fld id="{4A0C7E82-D0C3-2C47-BB06-5E425D75F4B0}" type="datetimeFigureOut">
               <a:rPr lang="pt-PT" smtClean="0"/>
-              <a:t>30/01/2022</a:t>
+              <a:t>30/01/22</a:t>
             </a:fld>
             <a:endParaRPr lang="pt-PT"/>
           </a:p>
@@ -6871,7 +6871,7 @@
           <a:p>
             <a:fld id="{4A0C7E82-D0C3-2C47-BB06-5E425D75F4B0}" type="datetimeFigureOut">
               <a:rPr lang="pt-PT" smtClean="0"/>
-              <a:t>30/01/2022</a:t>
+              <a:t>30/01/22</a:t>
             </a:fld>
             <a:endParaRPr lang="pt-PT"/>
           </a:p>
@@ -7020,7 +7020,7 @@
           <a:p>
             <a:fld id="{4A0C7E82-D0C3-2C47-BB06-5E425D75F4B0}" type="datetimeFigureOut">
               <a:rPr lang="pt-PT" smtClean="0"/>
-              <a:t>30/01/2022</a:t>
+              <a:t>30/01/22</a:t>
             </a:fld>
             <a:endParaRPr lang="pt-PT"/>
           </a:p>
@@ -7146,7 +7146,7 @@
           <a:p>
             <a:fld id="{4A0C7E82-D0C3-2C47-BB06-5E425D75F4B0}" type="datetimeFigureOut">
               <a:rPr lang="pt-PT" smtClean="0"/>
-              <a:t>30/01/2022</a:t>
+              <a:t>30/01/22</a:t>
             </a:fld>
             <a:endParaRPr lang="pt-PT"/>
           </a:p>
@@ -7401,7 +7401,7 @@
           <a:p>
             <a:fld id="{4A0C7E82-D0C3-2C47-BB06-5E425D75F4B0}" type="datetimeFigureOut">
               <a:rPr lang="pt-PT" smtClean="0"/>
-              <a:t>30/01/2022</a:t>
+              <a:t>30/01/22</a:t>
             </a:fld>
             <a:endParaRPr lang="pt-PT"/>
           </a:p>
@@ -7716,7 +7716,7 @@
           <a:p>
             <a:fld id="{4A0C7E82-D0C3-2C47-BB06-5E425D75F4B0}" type="datetimeFigureOut">
               <a:rPr lang="pt-PT" smtClean="0"/>
-              <a:t>30/01/2022</a:t>
+              <a:t>30/01/22</a:t>
             </a:fld>
             <a:endParaRPr lang="pt-PT"/>
           </a:p>
@@ -8067,7 +8067,7 @@
           <a:p>
             <a:fld id="{4A0C7E82-D0C3-2C47-BB06-5E425D75F4B0}" type="datetimeFigureOut">
               <a:rPr lang="pt-PT" smtClean="0"/>
-              <a:t>30/01/2022</a:t>
+              <a:t>30/01/22</a:t>
             </a:fld>
             <a:endParaRPr lang="pt-PT"/>
           </a:p>
@@ -9959,19 +9959,17 @@
       </p:sp>
       <p:pic>
         <p:nvPicPr>
-          <p:cNvPr id="5" name="Content Placeholder 4" descr="Diagram&#10;&#10;Description automatically generated">
+          <p:cNvPr id="4" name="Picture 3" descr="Diagram&#10;&#10;Description automatically generated">
             <a:extLst>
               <a:ext uri="{FF2B5EF4-FFF2-40B4-BE49-F238E27FC236}">
-                <a16:creationId xmlns:a16="http://schemas.microsoft.com/office/drawing/2014/main" id="{B2F092CF-D93F-7347-BE67-15DC6A0D1A95}"/>
+                <a16:creationId xmlns:a16="http://schemas.microsoft.com/office/drawing/2014/main" id="{3F8DA893-918F-ED4D-806E-3E481078A2FF}"/>
               </a:ext>
             </a:extLst>
           </p:cNvPr>
           <p:cNvPicPr>
-            <a:picLocks noGrp="1" noChangeAspect="1"/>
+            <a:picLocks noChangeAspect="1"/>
           </p:cNvPicPr>
-          <p:nvPr>
-            <p:ph idx="1"/>
-          </p:nvPr>
+          <p:nvPr/>
         </p:nvPicPr>
         <p:blipFill>
           <a:blip r:embed="rId2"/>
@@ -9981,9 +9979,12 @@
         </p:blipFill>
         <p:spPr>
           <a:xfrm>
-            <a:off x="3231745" y="2516957"/>
-            <a:ext cx="5638878" cy="3594581"/>
+            <a:off x="3193311" y="2509261"/>
+            <a:ext cx="5805377" cy="3590402"/>
           </a:xfrm>
+          <a:prstGeom prst="rect">
+            <a:avLst/>
+          </a:prstGeom>
         </p:spPr>
       </p:pic>
     </p:spTree>
@@ -11003,35 +11004,6 @@
           </a:p>
         </p:txBody>
       </p:sp>
-      <p:pic>
-        <p:nvPicPr>
-          <p:cNvPr id="5" name="Picture 4">
-            <a:extLst>
-              <a:ext uri="{FF2B5EF4-FFF2-40B4-BE49-F238E27FC236}">
-                <a16:creationId xmlns:a16="http://schemas.microsoft.com/office/drawing/2014/main" id="{77C74B25-91B9-3443-B13E-4361FC09DF4C}"/>
-              </a:ext>
-            </a:extLst>
-          </p:cNvPr>
-          <p:cNvPicPr>
-            <a:picLocks noChangeAspect="1"/>
-          </p:cNvPicPr>
-          <p:nvPr/>
-        </p:nvPicPr>
-        <p:blipFill rotWithShape="1">
-          <a:blip r:embed="rId5"/>
-          <a:srcRect r="2" b="7250"/>
-          <a:stretch/>
-        </p:blipFill>
-        <p:spPr>
-          <a:xfrm>
-            <a:off x="1412683" y="1410208"/>
-            <a:ext cx="2433793" cy="3858780"/>
-          </a:xfrm>
-          <a:prstGeom prst="rect">
-            <a:avLst/>
-          </a:prstGeom>
-        </p:spPr>
-      </p:pic>
       <p:cxnSp>
         <p:nvCxnSpPr>
           <p:cNvPr id="20" name="Straight Connector 19">
@@ -11407,6 +11379,36 @@
           </a:p>
         </p:txBody>
       </p:sp>
+      <p:pic>
+        <p:nvPicPr>
+          <p:cNvPr id="6" name="Picture 5" descr="Text, letter&#10;&#10;Description automatically generated">
+            <a:extLst>
+              <a:ext uri="{FF2B5EF4-FFF2-40B4-BE49-F238E27FC236}">
+                <a16:creationId xmlns:a16="http://schemas.microsoft.com/office/drawing/2014/main" id="{0FA7A9E5-47BF-6843-853B-514B692B5262}"/>
+              </a:ext>
+            </a:extLst>
+          </p:cNvPr>
+          <p:cNvPicPr>
+            <a:picLocks noChangeAspect="1"/>
+          </p:cNvPicPr>
+          <p:nvPr/>
+        </p:nvPicPr>
+        <p:blipFill>
+          <a:blip r:embed="rId5"/>
+          <a:stretch>
+            <a:fillRect/>
+          </a:stretch>
+        </p:blipFill>
+        <p:spPr>
+          <a:xfrm>
+            <a:off x="1382819" y="1226946"/>
+            <a:ext cx="2468883" cy="4220994"/>
+          </a:xfrm>
+          <a:prstGeom prst="rect">
+            <a:avLst/>
+          </a:prstGeom>
+        </p:spPr>
+      </p:pic>
     </p:spTree>
     <p:extLst>
       <p:ext uri="{BB962C8B-B14F-4D97-AF65-F5344CB8AC3E}">
@@ -11943,7 +11945,7 @@
         <p:spPr/>
         <p:txBody>
           <a:bodyPr>
-            <a:normAutofit lnSpcReduction="10000"/>
+            <a:normAutofit fontScale="92500"/>
           </a:bodyPr>
           <a:lstStyle/>
           <a:p>
@@ -11977,7 +11979,7 @@
             </a:pPr>
             <a:r>
               <a:rPr lang="pt-PT" dirty="0"/>
-              <a:t>Mais barato, ou seja, percurso que passa por menos zonas; ( O( V</a:t>
+              <a:t>Mais barato, ou seja, percurso que passa por menos zonas; ( O( |V|</a:t>
             </a:r>
             <a:r>
               <a:rPr lang="en-PT" dirty="0"/>
@@ -12028,7 +12030,7 @@
             </a:pPr>
             <a:r>
               <a:rPr lang="pt-PT" dirty="0"/>
-              <a:t>Percurso mais rápido, ou seja, percorre menos distância; ( O( V</a:t>
+              <a:t>Percurso mais rápido, ou seja, percorre menos distância; ( O( |V|</a:t>
             </a:r>
             <a:r>
               <a:rPr lang="en-PT" dirty="0"/>
@@ -12076,7 +12078,7 @@
             </a:pPr>
             <a:r>
               <a:rPr lang="pt-PT" dirty="0"/>
-              <a:t>Percurso que implica menos mudanças de autocarro (de linha); ( O( V</a:t>
+              <a:t>Percurso que implica menos mudanças de autocarro (de linha); ( O( |V|</a:t>
             </a:r>
             <a:r>
               <a:rPr lang="en-PT" dirty="0"/>
@@ -12088,7 +12090,7 @@
             </a:r>
             <a:r>
               <a:rPr lang="en-PT" dirty="0"/>
-              <a:t>|E|</a:t>
+              <a:t>|E|*|V|</a:t>
             </a:r>
             <a:r>
               <a:rPr lang="en-GB" dirty="0"/>

--- a/Projeto2AED.pptx
+++ b/Projeto2AED.pptx
@@ -3193,7 +3193,7 @@
           <a:p>
             <a:fld id="{4A0C7E82-D0C3-2C47-BB06-5E425D75F4B0}" type="datetimeFigureOut">
               <a:rPr lang="pt-PT" smtClean="0"/>
-              <a:t>30/01/22</a:t>
+              <a:t>30/01/2022</a:t>
             </a:fld>
             <a:endParaRPr lang="pt-PT"/>
           </a:p>
@@ -3517,7 +3517,7 @@
           <a:p>
             <a:fld id="{4A0C7E82-D0C3-2C47-BB06-5E425D75F4B0}" type="datetimeFigureOut">
               <a:rPr lang="pt-PT" smtClean="0"/>
-              <a:t>30/01/22</a:t>
+              <a:t>30/01/2022</a:t>
             </a:fld>
             <a:endParaRPr lang="pt-PT"/>
           </a:p>
@@ -3765,7 +3765,7 @@
           <a:p>
             <a:fld id="{4A0C7E82-D0C3-2C47-BB06-5E425D75F4B0}" type="datetimeFigureOut">
               <a:rPr lang="pt-PT" smtClean="0"/>
-              <a:t>30/01/22</a:t>
+              <a:t>30/01/2022</a:t>
             </a:fld>
             <a:endParaRPr lang="pt-PT"/>
           </a:p>
@@ -4104,7 +4104,7 @@
           <a:p>
             <a:fld id="{4A0C7E82-D0C3-2C47-BB06-5E425D75F4B0}" type="datetimeFigureOut">
               <a:rPr lang="pt-PT" smtClean="0"/>
-              <a:t>30/01/22</a:t>
+              <a:t>30/01/2022</a:t>
             </a:fld>
             <a:endParaRPr lang="pt-PT"/>
           </a:p>
@@ -4451,7 +4451,7 @@
           <a:p>
             <a:fld id="{4A0C7E82-D0C3-2C47-BB06-5E425D75F4B0}" type="datetimeFigureOut">
               <a:rPr lang="pt-PT" smtClean="0"/>
-              <a:t>30/01/22</a:t>
+              <a:t>30/01/2022</a:t>
             </a:fld>
             <a:endParaRPr lang="pt-PT"/>
           </a:p>
@@ -4825,7 +4825,7 @@
           <a:p>
             <a:fld id="{4A0C7E82-D0C3-2C47-BB06-5E425D75F4B0}" type="datetimeFigureOut">
               <a:rPr lang="pt-PT" smtClean="0"/>
-              <a:t>30/01/22</a:t>
+              <a:t>30/01/2022</a:t>
             </a:fld>
             <a:endParaRPr lang="pt-PT"/>
           </a:p>
@@ -5295,7 +5295,7 @@
           <a:p>
             <a:fld id="{4A0C7E82-D0C3-2C47-BB06-5E425D75F4B0}" type="datetimeFigureOut">
               <a:rPr lang="pt-PT" smtClean="0"/>
-              <a:t>30/01/22</a:t>
+              <a:t>30/01/2022</a:t>
             </a:fld>
             <a:endParaRPr lang="pt-PT"/>
           </a:p>
@@ -5500,7 +5500,7 @@
           <a:p>
             <a:fld id="{4A0C7E82-D0C3-2C47-BB06-5E425D75F4B0}" type="datetimeFigureOut">
               <a:rPr lang="pt-PT" smtClean="0"/>
-              <a:t>30/01/22</a:t>
+              <a:t>30/01/2022</a:t>
             </a:fld>
             <a:endParaRPr lang="pt-PT"/>
           </a:p>
@@ -5711,7 +5711,7 @@
           <a:p>
             <a:fld id="{4A0C7E82-D0C3-2C47-BB06-5E425D75F4B0}" type="datetimeFigureOut">
               <a:rPr lang="pt-PT" smtClean="0"/>
-              <a:t>30/01/22</a:t>
+              <a:t>30/01/2022</a:t>
             </a:fld>
             <a:endParaRPr lang="pt-PT"/>
           </a:p>
@@ -5943,7 +5943,7 @@
           <a:p>
             <a:fld id="{4A0C7E82-D0C3-2C47-BB06-5E425D75F4B0}" type="datetimeFigureOut">
               <a:rPr lang="pt-PT" smtClean="0"/>
-              <a:t>30/01/22</a:t>
+              <a:t>30/01/2022</a:t>
             </a:fld>
             <a:endParaRPr lang="pt-PT"/>
           </a:p>
@@ -6191,7 +6191,7 @@
           <a:p>
             <a:fld id="{4A0C7E82-D0C3-2C47-BB06-5E425D75F4B0}" type="datetimeFigureOut">
               <a:rPr lang="pt-PT" smtClean="0"/>
-              <a:t>30/01/22</a:t>
+              <a:t>30/01/2022</a:t>
             </a:fld>
             <a:endParaRPr lang="pt-PT"/>
           </a:p>
@@ -6458,7 +6458,7 @@
           <a:p>
             <a:fld id="{4A0C7E82-D0C3-2C47-BB06-5E425D75F4B0}" type="datetimeFigureOut">
               <a:rPr lang="pt-PT" smtClean="0"/>
-              <a:t>30/01/22</a:t>
+              <a:t>30/01/2022</a:t>
             </a:fld>
             <a:endParaRPr lang="pt-PT"/>
           </a:p>
@@ -6871,7 +6871,7 @@
           <a:p>
             <a:fld id="{4A0C7E82-D0C3-2C47-BB06-5E425D75F4B0}" type="datetimeFigureOut">
               <a:rPr lang="pt-PT" smtClean="0"/>
-              <a:t>30/01/22</a:t>
+              <a:t>30/01/2022</a:t>
             </a:fld>
             <a:endParaRPr lang="pt-PT"/>
           </a:p>
@@ -7020,7 +7020,7 @@
           <a:p>
             <a:fld id="{4A0C7E82-D0C3-2C47-BB06-5E425D75F4B0}" type="datetimeFigureOut">
               <a:rPr lang="pt-PT" smtClean="0"/>
-              <a:t>30/01/22</a:t>
+              <a:t>30/01/2022</a:t>
             </a:fld>
             <a:endParaRPr lang="pt-PT"/>
           </a:p>
@@ -7146,7 +7146,7 @@
           <a:p>
             <a:fld id="{4A0C7E82-D0C3-2C47-BB06-5E425D75F4B0}" type="datetimeFigureOut">
               <a:rPr lang="pt-PT" smtClean="0"/>
-              <a:t>30/01/22</a:t>
+              <a:t>30/01/2022</a:t>
             </a:fld>
             <a:endParaRPr lang="pt-PT"/>
           </a:p>
@@ -7401,7 +7401,7 @@
           <a:p>
             <a:fld id="{4A0C7E82-D0C3-2C47-BB06-5E425D75F4B0}" type="datetimeFigureOut">
               <a:rPr lang="pt-PT" smtClean="0"/>
-              <a:t>30/01/22</a:t>
+              <a:t>30/01/2022</a:t>
             </a:fld>
             <a:endParaRPr lang="pt-PT"/>
           </a:p>
@@ -7716,7 +7716,7 @@
           <a:p>
             <a:fld id="{4A0C7E82-D0C3-2C47-BB06-5E425D75F4B0}" type="datetimeFigureOut">
               <a:rPr lang="pt-PT" smtClean="0"/>
-              <a:t>30/01/22</a:t>
+              <a:t>30/01/2022</a:t>
             </a:fld>
             <a:endParaRPr lang="pt-PT"/>
           </a:p>
@@ -8067,7 +8067,7 @@
           <a:p>
             <a:fld id="{4A0C7E82-D0C3-2C47-BB06-5E425D75F4B0}" type="datetimeFigureOut">
               <a:rPr lang="pt-PT" smtClean="0"/>
-              <a:t>30/01/22</a:t>
+              <a:t>30/01/2022</a:t>
             </a:fld>
             <a:endParaRPr lang="pt-PT"/>
           </a:p>
@@ -8972,13 +8972,13 @@
         </p:nvSpPr>
         <p:spPr>
           <a:xfrm>
-            <a:off x="2453003" y="3729894"/>
-            <a:ext cx="7772400" cy="1320802"/>
+            <a:off x="2453003" y="3729893"/>
+            <a:ext cx="7772400" cy="1425761"/>
           </a:xfrm>
         </p:spPr>
         <p:txBody>
           <a:bodyPr>
-            <a:normAutofit/>
+            <a:normAutofit fontScale="92500" lnSpcReduction="20000"/>
           </a:bodyPr>
           <a:lstStyle/>
           <a:p>
@@ -9024,6 +9024,21 @@
                 </a:solidFill>
               </a:rPr>
               <a:t>Pedro Fonseca – up202008307</a:t>
+            </a:r>
+          </a:p>
+          <a:p>
+            <a:pPr>
+              <a:lnSpc>
+                <a:spcPct val="90000"/>
+              </a:lnSpc>
+            </a:pPr>
+            <a:r>
+              <a:rPr lang="pt-PT" b="1" dirty="0">
+                <a:solidFill>
+                  <a:schemeClr val="bg1"/>
+                </a:solidFill>
+              </a:rPr>
+              <a:t>Grupo 65</a:t>
             </a:r>
           </a:p>
         </p:txBody>
@@ -9453,8 +9468,72 @@
                                   </p:childTnLst>
                                 </p:cTn>
                               </p:par>
+                            </p:childTnLst>
+                          </p:cTn>
+                        </p:par>
+                      </p:childTnLst>
+                    </p:cTn>
+                  </p:par>
+                  <p:par>
+                    <p:cTn id="14" fill="hold">
+                      <p:stCondLst>
+                        <p:cond delay="indefinite"/>
+                      </p:stCondLst>
+                      <p:childTnLst>
+                        <p:par>
+                          <p:cTn id="15" fill="hold">
+                            <p:stCondLst>
+                              <p:cond delay="0"/>
+                            </p:stCondLst>
+                            <p:childTnLst>
                               <p:par>
-                                <p:cTn id="14" presetID="10" presetClass="entr" presetSubtype="0" fill="hold" grpId="0" nodeType="withEffect">
+                                <p:cTn id="16" presetID="10" presetClass="entr" presetSubtype="0" fill="hold" grpId="0" nodeType="clickEffect">
+                                  <p:stCondLst>
+                                    <p:cond delay="1500"/>
+                                  </p:stCondLst>
+                                  <p:iterate>
+                                    <p:tmPct val="10000"/>
+                                  </p:iterate>
+                                  <p:childTnLst>
+                                    <p:set>
+                                      <p:cBhvr>
+                                        <p:cTn id="17" dur="1" fill="hold">
+                                          <p:stCondLst>
+                                            <p:cond delay="0"/>
+                                          </p:stCondLst>
+                                        </p:cTn>
+                                        <p:tgtEl>
+                                          <p:spTgt spid="3">
+                                            <p:txEl>
+                                              <p:pRg st="3" end="3"/>
+                                            </p:txEl>
+                                          </p:spTgt>
+                                        </p:tgtEl>
+                                        <p:attrNameLst>
+                                          <p:attrName>style.visibility</p:attrName>
+                                        </p:attrNameLst>
+                                      </p:cBhvr>
+                                      <p:to>
+                                        <p:strVal val="visible"/>
+                                      </p:to>
+                                    </p:set>
+                                    <p:animEffect transition="in" filter="fade">
+                                      <p:cBhvr>
+                                        <p:cTn id="18" dur="700"/>
+                                        <p:tgtEl>
+                                          <p:spTgt spid="3">
+                                            <p:txEl>
+                                              <p:pRg st="3" end="3"/>
+                                            </p:txEl>
+                                          </p:spTgt>
+                                        </p:tgtEl>
+                                      </p:cBhvr>
+                                    </p:animEffect>
+                                  </p:childTnLst>
+                                </p:cTn>
+                              </p:par>
+                              <p:par>
+                                <p:cTn id="19" presetID="10" presetClass="entr" presetSubtype="0" fill="hold" grpId="0" nodeType="withEffect">
                                   <p:stCondLst>
                                     <p:cond delay="1000"/>
                                   </p:stCondLst>
@@ -9464,7 +9543,7 @@
                                   <p:childTnLst>
                                     <p:set>
                                       <p:cBhvr>
-                                        <p:cTn id="15" dur="1" fill="hold">
+                                        <p:cTn id="20" dur="1" fill="hold">
                                           <p:stCondLst>
                                             <p:cond delay="0"/>
                                           </p:stCondLst>
@@ -9482,7 +9561,7 @@
                                     </p:set>
                                     <p:animEffect transition="in" filter="fade">
                                       <p:cBhvr>
-                                        <p:cTn id="16" dur="700"/>
+                                        <p:cTn id="21" dur="700"/>
                                         <p:tgtEl>
                                           <p:spTgt spid="2"/>
                                         </p:tgtEl>
@@ -12822,15 +12901,51 @@
             </a:r>
             <a:r>
               <a:rPr lang="en-GB" dirty="0"/>
-              <a:t>. De </a:t>
+              <a:t>, a </a:t>
+            </a:r>
+            <a:r>
+              <a:rPr lang="en-GB" dirty="0" err="1"/>
+              <a:t>partir</a:t>
+            </a:r>
+            <a:r>
+              <a:rPr lang="en-GB" dirty="0"/>
+              <a:t> de </a:t>
+            </a:r>
+            <a:r>
+              <a:rPr lang="en-GB" dirty="0" err="1"/>
+              <a:t>uma</a:t>
+            </a:r>
+            <a:r>
+              <a:rPr lang="en-GB" dirty="0"/>
+              <a:t> </a:t>
+            </a:r>
+            <a:r>
+              <a:rPr lang="en-GB" dirty="0" err="1"/>
+              <a:t>certa</a:t>
+            </a:r>
+            <a:r>
+              <a:rPr lang="en-GB" dirty="0"/>
+              <a:t> </a:t>
+            </a:r>
+            <a:r>
+              <a:rPr lang="en-GB"/>
+              <a:t>paragem. </a:t>
+            </a:r>
+            <a:r>
+              <a:rPr lang="en-GB" dirty="0"/>
+              <a:t>De </a:t>
             </a:r>
             <a:r>
               <a:rPr lang="en-GB" dirty="0" err="1"/>
               <a:t>seguida</a:t>
             </a:r>
             <a:r>
-              <a:rPr lang="en-GB"/>
-              <a:t>, escolhe</a:t>
+              <a:rPr lang="en-GB" dirty="0"/>
+              <a:t>, </a:t>
+            </a:r>
+            <a:r>
+              <a:rPr lang="en-GB" dirty="0" err="1"/>
+              <a:t>escolhe</a:t>
             </a:r>
             <a:r>
               <a:rPr lang="en-GB" dirty="0"/>
